--- a/250711_CRA_B팀발표.pptx
+++ b/250711_CRA_B팀발표.pptx
@@ -5,7 +5,7 @@
     <p:sldMasterId id="2147483652" r:id="rId1"/>
   </p:sldMasterIdLst>
   <p:notesMasterIdLst>
-    <p:notesMasterId r:id="rId35"/>
+    <p:notesMasterId r:id="rId50"/>
   </p:notesMasterIdLst>
   <p:sldIdLst>
     <p:sldId id="256" r:id="rId2"/>
@@ -41,6 +41,21 @@
     <p:sldId id="303" r:id="rId32"/>
     <p:sldId id="284" r:id="rId33"/>
     <p:sldId id="285" r:id="rId34"/>
+    <p:sldId id="289" r:id="rId35"/>
+    <p:sldId id="290" r:id="rId36"/>
+    <p:sldId id="291" r:id="rId37"/>
+    <p:sldId id="292" r:id="rId38"/>
+    <p:sldId id="293" r:id="rId39"/>
+    <p:sldId id="294" r:id="rId40"/>
+    <p:sldId id="295" r:id="rId41"/>
+    <p:sldId id="296" r:id="rId42"/>
+    <p:sldId id="297" r:id="rId43"/>
+    <p:sldId id="298" r:id="rId44"/>
+    <p:sldId id="299" r:id="rId45"/>
+    <p:sldId id="300" r:id="rId46"/>
+    <p:sldId id="304" r:id="rId47"/>
+    <p:sldId id="305" r:id="rId48"/>
+    <p:sldId id="306" r:id="rId49"/>
   </p:sldIdLst>
   <p:sldSz cx="12192000" cy="6858000"/>
   <p:notesSz cx="6858000" cy="9144000"/>
@@ -273,6 +288,71 @@
       </a:defRPr>
     </a:lvl9pPr>
   </p:defaultTextStyle>
+  <p:extLst>
+    <p:ext uri="{521415D9-36F7-43E2-AB2F-B90AF26B5E84}">
+      <p14:sectionLst xmlns:p14="http://schemas.microsoft.com/office/powerpoint/2010/main">
+        <p14:section name="기본 구역" id="{73AD1585-087C-430B-A8C2-FC0752BC04F4}">
+          <p14:sldIdLst>
+            <p14:sldId id="256"/>
+            <p14:sldId id="257"/>
+            <p14:sldId id="258"/>
+            <p14:sldId id="259"/>
+            <p14:sldId id="260"/>
+            <p14:sldId id="261"/>
+            <p14:sldId id="262"/>
+            <p14:sldId id="263"/>
+            <p14:sldId id="264"/>
+            <p14:sldId id="265"/>
+            <p14:sldId id="266"/>
+            <p14:sldId id="267"/>
+            <p14:sldId id="268"/>
+            <p14:sldId id="269"/>
+            <p14:sldId id="270"/>
+            <p14:sldId id="271"/>
+            <p14:sldId id="272"/>
+            <p14:sldId id="273"/>
+            <p14:sldId id="274"/>
+            <p14:sldId id="275"/>
+            <p14:sldId id="276"/>
+            <p14:sldId id="277"/>
+            <p14:sldId id="278"/>
+            <p14:sldId id="279"/>
+            <p14:sldId id="280"/>
+            <p14:sldId id="281"/>
+            <p14:sldId id="282"/>
+            <p14:sldId id="283"/>
+            <p14:sldId id="301"/>
+            <p14:sldId id="302"/>
+            <p14:sldId id="303"/>
+            <p14:sldId id="284"/>
+            <p14:sldId id="285"/>
+          </p14:sldIdLst>
+        </p14:section>
+        <p14:section name="Backup" id="{83D18190-A353-4C46-B662-8593C62EFAC3}">
+          <p14:sldIdLst>
+            <p14:sldId id="289"/>
+            <p14:sldId id="290"/>
+            <p14:sldId id="291"/>
+            <p14:sldId id="292"/>
+            <p14:sldId id="293"/>
+            <p14:sldId id="294"/>
+            <p14:sldId id="295"/>
+            <p14:sldId id="296"/>
+            <p14:sldId id="297"/>
+            <p14:sldId id="298"/>
+            <p14:sldId id="299"/>
+            <p14:sldId id="300"/>
+            <p14:sldId id="304"/>
+            <p14:sldId id="305"/>
+            <p14:sldId id="306"/>
+          </p14:sldIdLst>
+        </p14:section>
+      </p14:sectionLst>
+    </p:ext>
+    <p:ext uri="{EFAFB233-063F-42B5-8137-9DF3F51BA10A}">
+      <p15:sldGuideLst xmlns:p15="http://schemas.microsoft.com/office/powerpoint/2012/main"/>
+    </p:ext>
+  </p:extLst>
 </p:presentation>
 </file>
 
@@ -5439,6 +5519,630 @@
 </p:notes>
 </file>
 
+<file path=ppt/notesSlides/notesSlide34.xml><?xml version="1.0" encoding="utf-8"?>
+<p:notes xmlns:a="http://schemas.openxmlformats.org/drawingml/2006/main" xmlns:r="http://schemas.openxmlformats.org/officeDocument/2006/relationships" xmlns:p="http://schemas.openxmlformats.org/presentationml/2006/main" showMasterSp="0" showMasterPhAnim="0">
+  <p:cSld>
+    <p:spTree>
+      <p:nvGrpSpPr>
+        <p:cNvPr id="1" name="Shape 374"/>
+        <p:cNvGrpSpPr/>
+        <p:nvPr/>
+      </p:nvGrpSpPr>
+      <p:grpSpPr>
+        <a:xfrm>
+          <a:off x="0" y="0"/>
+          <a:ext cx="0" cy="0"/>
+          <a:chOff x="0" y="0"/>
+          <a:chExt cx="0" cy="0"/>
+        </a:xfrm>
+      </p:grpSpPr>
+      <p:sp>
+        <p:nvSpPr>
+          <p:cNvPr id="375" name="Google Shape;375;g36e77ca6010_6_0:notes"/>
+          <p:cNvSpPr>
+            <a:spLocks noGrp="1" noRot="1" noChangeAspect="1"/>
+          </p:cNvSpPr>
+          <p:nvPr>
+            <p:ph type="sldImg" idx="2"/>
+          </p:nvPr>
+        </p:nvSpPr>
+        <p:spPr>
+          <a:xfrm>
+            <a:off x="1143225" y="685800"/>
+            <a:ext cx="4572300" cy="3429000"/>
+          </a:xfrm>
+          <a:custGeom>
+            <a:avLst/>
+            <a:gdLst/>
+            <a:ahLst/>
+            <a:cxnLst/>
+            <a:rect l="l" t="t" r="r" b="b"/>
+            <a:pathLst>
+              <a:path w="120000" h="120000" extrusionOk="0">
+                <a:moveTo>
+                  <a:pt x="0" y="0"/>
+                </a:moveTo>
+                <a:lnTo>
+                  <a:pt x="120000" y="0"/>
+                </a:lnTo>
+                <a:lnTo>
+                  <a:pt x="120000" y="120000"/>
+                </a:lnTo>
+                <a:lnTo>
+                  <a:pt x="0" y="120000"/>
+                </a:lnTo>
+                <a:close/>
+              </a:path>
+            </a:pathLst>
+          </a:custGeom>
+        </p:spPr>
+      </p:sp>
+      <p:sp>
+        <p:nvSpPr>
+          <p:cNvPr id="376" name="Google Shape;376;g36e77ca6010_6_0:notes"/>
+          <p:cNvSpPr txBox="1">
+            <a:spLocks noGrp="1"/>
+          </p:cNvSpPr>
+          <p:nvPr>
+            <p:ph type="body" idx="1"/>
+          </p:nvPr>
+        </p:nvSpPr>
+        <p:spPr>
+          <a:xfrm>
+            <a:off x="685800" y="4343400"/>
+            <a:ext cx="5486400" cy="4114800"/>
+          </a:xfrm>
+          <a:prstGeom prst="rect">
+            <a:avLst/>
+          </a:prstGeom>
+        </p:spPr>
+        <p:txBody>
+          <a:bodyPr spcFirstLastPara="1" wrap="square" lIns="91425" tIns="91425" rIns="91425" bIns="91425" anchor="t" anchorCtr="0">
+            <a:noAutofit/>
+          </a:bodyPr>
+          <a:lstStyle/>
+          <a:p>
+            <a:pPr marL="0" lvl="0" indent="0" algn="l" rtl="0">
+              <a:spcBef>
+                <a:spcPts val="0"/>
+              </a:spcBef>
+              <a:spcAft>
+                <a:spcPts val="0"/>
+              </a:spcAft>
+              <a:buNone/>
+            </a:pPr>
+            <a:endParaRPr/>
+          </a:p>
+        </p:txBody>
+      </p:sp>
+    </p:spTree>
+  </p:cSld>
+  <p:clrMapOvr>
+    <a:masterClrMapping/>
+  </p:clrMapOvr>
+</p:notes>
+</file>
+
+<file path=ppt/notesSlides/notesSlide35.xml><?xml version="1.0" encoding="utf-8"?>
+<p:notes xmlns:a="http://schemas.openxmlformats.org/drawingml/2006/main" xmlns:r="http://schemas.openxmlformats.org/officeDocument/2006/relationships" xmlns:p="http://schemas.openxmlformats.org/presentationml/2006/main" showMasterSp="0" showMasterPhAnim="0">
+  <p:cSld>
+    <p:spTree>
+      <p:nvGrpSpPr>
+        <p:cNvPr id="1" name="Shape 380"/>
+        <p:cNvGrpSpPr/>
+        <p:nvPr/>
+      </p:nvGrpSpPr>
+      <p:grpSpPr>
+        <a:xfrm>
+          <a:off x="0" y="0"/>
+          <a:ext cx="0" cy="0"/>
+          <a:chOff x="0" y="0"/>
+          <a:chExt cx="0" cy="0"/>
+        </a:xfrm>
+      </p:grpSpPr>
+      <p:sp>
+        <p:nvSpPr>
+          <p:cNvPr id="381" name="Google Shape;381;g36e77ca6010_6_8:notes"/>
+          <p:cNvSpPr>
+            <a:spLocks noGrp="1" noRot="1" noChangeAspect="1"/>
+          </p:cNvSpPr>
+          <p:nvPr>
+            <p:ph type="sldImg" idx="2"/>
+          </p:nvPr>
+        </p:nvSpPr>
+        <p:spPr>
+          <a:xfrm>
+            <a:off x="1143225" y="685800"/>
+            <a:ext cx="4572300" cy="3429000"/>
+          </a:xfrm>
+          <a:custGeom>
+            <a:avLst/>
+            <a:gdLst/>
+            <a:ahLst/>
+            <a:cxnLst/>
+            <a:rect l="l" t="t" r="r" b="b"/>
+            <a:pathLst>
+              <a:path w="120000" h="120000" extrusionOk="0">
+                <a:moveTo>
+                  <a:pt x="0" y="0"/>
+                </a:moveTo>
+                <a:lnTo>
+                  <a:pt x="120000" y="0"/>
+                </a:lnTo>
+                <a:lnTo>
+                  <a:pt x="120000" y="120000"/>
+                </a:lnTo>
+                <a:lnTo>
+                  <a:pt x="0" y="120000"/>
+                </a:lnTo>
+                <a:close/>
+              </a:path>
+            </a:pathLst>
+          </a:custGeom>
+        </p:spPr>
+      </p:sp>
+      <p:sp>
+        <p:nvSpPr>
+          <p:cNvPr id="382" name="Google Shape;382;g36e77ca6010_6_8:notes"/>
+          <p:cNvSpPr txBox="1">
+            <a:spLocks noGrp="1"/>
+          </p:cNvSpPr>
+          <p:nvPr>
+            <p:ph type="body" idx="1"/>
+          </p:nvPr>
+        </p:nvSpPr>
+        <p:spPr>
+          <a:xfrm>
+            <a:off x="685800" y="4343400"/>
+            <a:ext cx="5486400" cy="4114800"/>
+          </a:xfrm>
+          <a:prstGeom prst="rect">
+            <a:avLst/>
+          </a:prstGeom>
+        </p:spPr>
+        <p:txBody>
+          <a:bodyPr spcFirstLastPara="1" wrap="square" lIns="91425" tIns="91425" rIns="91425" bIns="91425" anchor="t" anchorCtr="0">
+            <a:noAutofit/>
+          </a:bodyPr>
+          <a:lstStyle/>
+          <a:p>
+            <a:pPr marL="0" lvl="0" indent="0" algn="l" rtl="0">
+              <a:spcBef>
+                <a:spcPts val="0"/>
+              </a:spcBef>
+              <a:spcAft>
+                <a:spcPts val="0"/>
+              </a:spcAft>
+              <a:buNone/>
+            </a:pPr>
+            <a:endParaRPr/>
+          </a:p>
+        </p:txBody>
+      </p:sp>
+    </p:spTree>
+  </p:cSld>
+  <p:clrMapOvr>
+    <a:masterClrMapping/>
+  </p:clrMapOvr>
+</p:notes>
+</file>
+
+<file path=ppt/notesSlides/notesSlide36.xml><?xml version="1.0" encoding="utf-8"?>
+<p:notes xmlns:a="http://schemas.openxmlformats.org/drawingml/2006/main" xmlns:r="http://schemas.openxmlformats.org/officeDocument/2006/relationships" xmlns:p="http://schemas.openxmlformats.org/presentationml/2006/main" showMasterSp="0" showMasterPhAnim="0">
+  <p:cSld>
+    <p:spTree>
+      <p:nvGrpSpPr>
+        <p:cNvPr id="1" name="Shape 386"/>
+        <p:cNvGrpSpPr/>
+        <p:nvPr/>
+      </p:nvGrpSpPr>
+      <p:grpSpPr>
+        <a:xfrm>
+          <a:off x="0" y="0"/>
+          <a:ext cx="0" cy="0"/>
+          <a:chOff x="0" y="0"/>
+          <a:chExt cx="0" cy="0"/>
+        </a:xfrm>
+      </p:grpSpPr>
+      <p:sp>
+        <p:nvSpPr>
+          <p:cNvPr id="387" name="Google Shape;387;g36e77ca6010_6_55:notes"/>
+          <p:cNvSpPr>
+            <a:spLocks noGrp="1" noRot="1" noChangeAspect="1"/>
+          </p:cNvSpPr>
+          <p:nvPr>
+            <p:ph type="sldImg" idx="2"/>
+          </p:nvPr>
+        </p:nvSpPr>
+        <p:spPr>
+          <a:xfrm>
+            <a:off x="1143225" y="685800"/>
+            <a:ext cx="4572300" cy="3429000"/>
+          </a:xfrm>
+          <a:custGeom>
+            <a:avLst/>
+            <a:gdLst/>
+            <a:ahLst/>
+            <a:cxnLst/>
+            <a:rect l="l" t="t" r="r" b="b"/>
+            <a:pathLst>
+              <a:path w="120000" h="120000" extrusionOk="0">
+                <a:moveTo>
+                  <a:pt x="0" y="0"/>
+                </a:moveTo>
+                <a:lnTo>
+                  <a:pt x="120000" y="0"/>
+                </a:lnTo>
+                <a:lnTo>
+                  <a:pt x="120000" y="120000"/>
+                </a:lnTo>
+                <a:lnTo>
+                  <a:pt x="0" y="120000"/>
+                </a:lnTo>
+                <a:close/>
+              </a:path>
+            </a:pathLst>
+          </a:custGeom>
+        </p:spPr>
+      </p:sp>
+      <p:sp>
+        <p:nvSpPr>
+          <p:cNvPr id="388" name="Google Shape;388;g36e77ca6010_6_55:notes"/>
+          <p:cNvSpPr txBox="1">
+            <a:spLocks noGrp="1"/>
+          </p:cNvSpPr>
+          <p:nvPr>
+            <p:ph type="body" idx="1"/>
+          </p:nvPr>
+        </p:nvSpPr>
+        <p:spPr>
+          <a:xfrm>
+            <a:off x="685800" y="4343400"/>
+            <a:ext cx="5486400" cy="4114800"/>
+          </a:xfrm>
+          <a:prstGeom prst="rect">
+            <a:avLst/>
+          </a:prstGeom>
+        </p:spPr>
+        <p:txBody>
+          <a:bodyPr spcFirstLastPara="1" wrap="square" lIns="91425" tIns="91425" rIns="91425" bIns="91425" anchor="t" anchorCtr="0">
+            <a:noAutofit/>
+          </a:bodyPr>
+          <a:lstStyle/>
+          <a:p>
+            <a:pPr marL="0" lvl="0" indent="0" algn="l" rtl="0">
+              <a:spcBef>
+                <a:spcPts val="0"/>
+              </a:spcBef>
+              <a:spcAft>
+                <a:spcPts val="0"/>
+              </a:spcAft>
+              <a:buNone/>
+            </a:pPr>
+            <a:endParaRPr/>
+          </a:p>
+        </p:txBody>
+      </p:sp>
+    </p:spTree>
+  </p:cSld>
+  <p:clrMapOvr>
+    <a:masterClrMapping/>
+  </p:clrMapOvr>
+</p:notes>
+</file>
+
+<file path=ppt/notesSlides/notesSlide37.xml><?xml version="1.0" encoding="utf-8"?>
+<p:notes xmlns:a="http://schemas.openxmlformats.org/drawingml/2006/main" xmlns:r="http://schemas.openxmlformats.org/officeDocument/2006/relationships" xmlns:p="http://schemas.openxmlformats.org/presentationml/2006/main" showMasterSp="0" showMasterPhAnim="0">
+  <p:cSld>
+    <p:spTree>
+      <p:nvGrpSpPr>
+        <p:cNvPr id="1" name="Shape 392"/>
+        <p:cNvGrpSpPr/>
+        <p:nvPr/>
+      </p:nvGrpSpPr>
+      <p:grpSpPr>
+        <a:xfrm>
+          <a:off x="0" y="0"/>
+          <a:ext cx="0" cy="0"/>
+          <a:chOff x="0" y="0"/>
+          <a:chExt cx="0" cy="0"/>
+        </a:xfrm>
+      </p:grpSpPr>
+      <p:sp>
+        <p:nvSpPr>
+          <p:cNvPr id="393" name="Google Shape;393;g36e77ca6010_6_61:notes"/>
+          <p:cNvSpPr>
+            <a:spLocks noGrp="1" noRot="1" noChangeAspect="1"/>
+          </p:cNvSpPr>
+          <p:nvPr>
+            <p:ph type="sldImg" idx="2"/>
+          </p:nvPr>
+        </p:nvSpPr>
+        <p:spPr>
+          <a:xfrm>
+            <a:off x="1143225" y="685800"/>
+            <a:ext cx="4572300" cy="3429000"/>
+          </a:xfrm>
+          <a:custGeom>
+            <a:avLst/>
+            <a:gdLst/>
+            <a:ahLst/>
+            <a:cxnLst/>
+            <a:rect l="l" t="t" r="r" b="b"/>
+            <a:pathLst>
+              <a:path w="120000" h="120000" extrusionOk="0">
+                <a:moveTo>
+                  <a:pt x="0" y="0"/>
+                </a:moveTo>
+                <a:lnTo>
+                  <a:pt x="120000" y="0"/>
+                </a:lnTo>
+                <a:lnTo>
+                  <a:pt x="120000" y="120000"/>
+                </a:lnTo>
+                <a:lnTo>
+                  <a:pt x="0" y="120000"/>
+                </a:lnTo>
+                <a:close/>
+              </a:path>
+            </a:pathLst>
+          </a:custGeom>
+        </p:spPr>
+      </p:sp>
+      <p:sp>
+        <p:nvSpPr>
+          <p:cNvPr id="394" name="Google Shape;394;g36e77ca6010_6_61:notes"/>
+          <p:cNvSpPr txBox="1">
+            <a:spLocks noGrp="1"/>
+          </p:cNvSpPr>
+          <p:nvPr>
+            <p:ph type="body" idx="1"/>
+          </p:nvPr>
+        </p:nvSpPr>
+        <p:spPr>
+          <a:xfrm>
+            <a:off x="685800" y="4343400"/>
+            <a:ext cx="5486400" cy="4114800"/>
+          </a:xfrm>
+          <a:prstGeom prst="rect">
+            <a:avLst/>
+          </a:prstGeom>
+        </p:spPr>
+        <p:txBody>
+          <a:bodyPr spcFirstLastPara="1" wrap="square" lIns="91425" tIns="91425" rIns="91425" bIns="91425" anchor="t" anchorCtr="0">
+            <a:noAutofit/>
+          </a:bodyPr>
+          <a:lstStyle/>
+          <a:p>
+            <a:pPr marL="0" lvl="0" indent="0" algn="l" rtl="0">
+              <a:spcBef>
+                <a:spcPts val="0"/>
+              </a:spcBef>
+              <a:spcAft>
+                <a:spcPts val="0"/>
+              </a:spcAft>
+              <a:buNone/>
+            </a:pPr>
+            <a:endParaRPr/>
+          </a:p>
+        </p:txBody>
+      </p:sp>
+    </p:spTree>
+  </p:cSld>
+  <p:clrMapOvr>
+    <a:masterClrMapping/>
+  </p:clrMapOvr>
+</p:notes>
+</file>
+
+<file path=ppt/notesSlides/notesSlide38.xml><?xml version="1.0" encoding="utf-8"?>
+<p:notes xmlns:a="http://schemas.openxmlformats.org/drawingml/2006/main" xmlns:r="http://schemas.openxmlformats.org/officeDocument/2006/relationships" xmlns:p="http://schemas.openxmlformats.org/presentationml/2006/main" showMasterSp="0" showMasterPhAnim="0">
+  <p:cSld>
+    <p:spTree>
+      <p:nvGrpSpPr>
+        <p:cNvPr id="1" name="Shape 398"/>
+        <p:cNvGrpSpPr/>
+        <p:nvPr/>
+      </p:nvGrpSpPr>
+      <p:grpSpPr>
+        <a:xfrm>
+          <a:off x="0" y="0"/>
+          <a:ext cx="0" cy="0"/>
+          <a:chOff x="0" y="0"/>
+          <a:chExt cx="0" cy="0"/>
+        </a:xfrm>
+      </p:grpSpPr>
+      <p:sp>
+        <p:nvSpPr>
+          <p:cNvPr id="399" name="Google Shape;399;g36e77ca6010_6_18:notes"/>
+          <p:cNvSpPr>
+            <a:spLocks noGrp="1" noRot="1" noChangeAspect="1"/>
+          </p:cNvSpPr>
+          <p:nvPr>
+            <p:ph type="sldImg" idx="2"/>
+          </p:nvPr>
+        </p:nvSpPr>
+        <p:spPr>
+          <a:xfrm>
+            <a:off x="1143225" y="685800"/>
+            <a:ext cx="4572300" cy="3429000"/>
+          </a:xfrm>
+          <a:custGeom>
+            <a:avLst/>
+            <a:gdLst/>
+            <a:ahLst/>
+            <a:cxnLst/>
+            <a:rect l="l" t="t" r="r" b="b"/>
+            <a:pathLst>
+              <a:path w="120000" h="120000" extrusionOk="0">
+                <a:moveTo>
+                  <a:pt x="0" y="0"/>
+                </a:moveTo>
+                <a:lnTo>
+                  <a:pt x="120000" y="0"/>
+                </a:lnTo>
+                <a:lnTo>
+                  <a:pt x="120000" y="120000"/>
+                </a:lnTo>
+                <a:lnTo>
+                  <a:pt x="0" y="120000"/>
+                </a:lnTo>
+                <a:close/>
+              </a:path>
+            </a:pathLst>
+          </a:custGeom>
+        </p:spPr>
+      </p:sp>
+      <p:sp>
+        <p:nvSpPr>
+          <p:cNvPr id="400" name="Google Shape;400;g36e77ca6010_6_18:notes"/>
+          <p:cNvSpPr txBox="1">
+            <a:spLocks noGrp="1"/>
+          </p:cNvSpPr>
+          <p:nvPr>
+            <p:ph type="body" idx="1"/>
+          </p:nvPr>
+        </p:nvSpPr>
+        <p:spPr>
+          <a:xfrm>
+            <a:off x="685800" y="4343400"/>
+            <a:ext cx="5486400" cy="4114800"/>
+          </a:xfrm>
+          <a:prstGeom prst="rect">
+            <a:avLst/>
+          </a:prstGeom>
+        </p:spPr>
+        <p:txBody>
+          <a:bodyPr spcFirstLastPara="1" wrap="square" lIns="91425" tIns="91425" rIns="91425" bIns="91425" anchor="t" anchorCtr="0">
+            <a:noAutofit/>
+          </a:bodyPr>
+          <a:lstStyle/>
+          <a:p>
+            <a:pPr marL="0" lvl="0" indent="0" algn="l" rtl="0">
+              <a:spcBef>
+                <a:spcPts val="0"/>
+              </a:spcBef>
+              <a:spcAft>
+                <a:spcPts val="0"/>
+              </a:spcAft>
+              <a:buNone/>
+            </a:pPr>
+            <a:endParaRPr/>
+          </a:p>
+        </p:txBody>
+      </p:sp>
+    </p:spTree>
+  </p:cSld>
+  <p:clrMapOvr>
+    <a:masterClrMapping/>
+  </p:clrMapOvr>
+</p:notes>
+</file>
+
+<file path=ppt/notesSlides/notesSlide39.xml><?xml version="1.0" encoding="utf-8"?>
+<p:notes xmlns:a="http://schemas.openxmlformats.org/drawingml/2006/main" xmlns:r="http://schemas.openxmlformats.org/officeDocument/2006/relationships" xmlns:p="http://schemas.openxmlformats.org/presentationml/2006/main" showMasterSp="0" showMasterPhAnim="0">
+  <p:cSld>
+    <p:spTree>
+      <p:nvGrpSpPr>
+        <p:cNvPr id="1" name="Shape 409"/>
+        <p:cNvGrpSpPr/>
+        <p:nvPr/>
+      </p:nvGrpSpPr>
+      <p:grpSpPr>
+        <a:xfrm>
+          <a:off x="0" y="0"/>
+          <a:ext cx="0" cy="0"/>
+          <a:chOff x="0" y="0"/>
+          <a:chExt cx="0" cy="0"/>
+        </a:xfrm>
+      </p:grpSpPr>
+      <p:sp>
+        <p:nvSpPr>
+          <p:cNvPr id="410" name="Google Shape;410;g36e77ca6010_6_23:notes"/>
+          <p:cNvSpPr>
+            <a:spLocks noGrp="1" noRot="1" noChangeAspect="1"/>
+          </p:cNvSpPr>
+          <p:nvPr>
+            <p:ph type="sldImg" idx="2"/>
+          </p:nvPr>
+        </p:nvSpPr>
+        <p:spPr>
+          <a:xfrm>
+            <a:off x="1143225" y="685800"/>
+            <a:ext cx="4572300" cy="3429000"/>
+          </a:xfrm>
+          <a:custGeom>
+            <a:avLst/>
+            <a:gdLst/>
+            <a:ahLst/>
+            <a:cxnLst/>
+            <a:rect l="l" t="t" r="r" b="b"/>
+            <a:pathLst>
+              <a:path w="120000" h="120000" extrusionOk="0">
+                <a:moveTo>
+                  <a:pt x="0" y="0"/>
+                </a:moveTo>
+                <a:lnTo>
+                  <a:pt x="120000" y="0"/>
+                </a:lnTo>
+                <a:lnTo>
+                  <a:pt x="120000" y="120000"/>
+                </a:lnTo>
+                <a:lnTo>
+                  <a:pt x="0" y="120000"/>
+                </a:lnTo>
+                <a:close/>
+              </a:path>
+            </a:pathLst>
+          </a:custGeom>
+        </p:spPr>
+      </p:sp>
+      <p:sp>
+        <p:nvSpPr>
+          <p:cNvPr id="411" name="Google Shape;411;g36e77ca6010_6_23:notes"/>
+          <p:cNvSpPr txBox="1">
+            <a:spLocks noGrp="1"/>
+          </p:cNvSpPr>
+          <p:nvPr>
+            <p:ph type="body" idx="1"/>
+          </p:nvPr>
+        </p:nvSpPr>
+        <p:spPr>
+          <a:xfrm>
+            <a:off x="685800" y="4343400"/>
+            <a:ext cx="5486400" cy="4114800"/>
+          </a:xfrm>
+          <a:prstGeom prst="rect">
+            <a:avLst/>
+          </a:prstGeom>
+        </p:spPr>
+        <p:txBody>
+          <a:bodyPr spcFirstLastPara="1" wrap="square" lIns="91425" tIns="91425" rIns="91425" bIns="91425" anchor="t" anchorCtr="0">
+            <a:noAutofit/>
+          </a:bodyPr>
+          <a:lstStyle/>
+          <a:p>
+            <a:pPr marL="0" lvl="0" indent="0" algn="l" rtl="0">
+              <a:spcBef>
+                <a:spcPts val="0"/>
+              </a:spcBef>
+              <a:spcAft>
+                <a:spcPts val="0"/>
+              </a:spcAft>
+              <a:buNone/>
+            </a:pPr>
+            <a:endParaRPr/>
+          </a:p>
+        </p:txBody>
+      </p:sp>
+    </p:spTree>
+  </p:cSld>
+  <p:clrMapOvr>
+    <a:masterClrMapping/>
+  </p:clrMapOvr>
+</p:notes>
+</file>
+
 <file path=ppt/notesSlides/notesSlide4.xml><?xml version="1.0" encoding="utf-8"?>
 <p:notes xmlns:a="http://schemas.openxmlformats.org/drawingml/2006/main" xmlns:r="http://schemas.openxmlformats.org/officeDocument/2006/relationships" xmlns:p="http://schemas.openxmlformats.org/presentationml/2006/main" showMasterSp="0" showMasterPhAnim="0">
   <p:cSld>
@@ -5595,6 +6299,942 @@
             <a:tailEnd type="none" w="sm" len="sm"/>
           </a:ln>
         </p:spPr>
+      </p:sp>
+    </p:spTree>
+  </p:cSld>
+  <p:clrMapOvr>
+    <a:masterClrMapping/>
+  </p:clrMapOvr>
+</p:notes>
+</file>
+
+<file path=ppt/notesSlides/notesSlide40.xml><?xml version="1.0" encoding="utf-8"?>
+<p:notes xmlns:a="http://schemas.openxmlformats.org/drawingml/2006/main" xmlns:r="http://schemas.openxmlformats.org/officeDocument/2006/relationships" xmlns:p="http://schemas.openxmlformats.org/presentationml/2006/main" showMasterSp="0" showMasterPhAnim="0">
+  <p:cSld>
+    <p:spTree>
+      <p:nvGrpSpPr>
+        <p:cNvPr id="1" name="Shape 416"/>
+        <p:cNvGrpSpPr/>
+        <p:nvPr/>
+      </p:nvGrpSpPr>
+      <p:grpSpPr>
+        <a:xfrm>
+          <a:off x="0" y="0"/>
+          <a:ext cx="0" cy="0"/>
+          <a:chOff x="0" y="0"/>
+          <a:chExt cx="0" cy="0"/>
+        </a:xfrm>
+      </p:grpSpPr>
+      <p:sp>
+        <p:nvSpPr>
+          <p:cNvPr id="417" name="Google Shape;417;g36e77ca6010_6_89:notes"/>
+          <p:cNvSpPr>
+            <a:spLocks noGrp="1" noRot="1" noChangeAspect="1"/>
+          </p:cNvSpPr>
+          <p:nvPr>
+            <p:ph type="sldImg" idx="2"/>
+          </p:nvPr>
+        </p:nvSpPr>
+        <p:spPr>
+          <a:xfrm>
+            <a:off x="1143225" y="685800"/>
+            <a:ext cx="4572300" cy="3429000"/>
+          </a:xfrm>
+          <a:custGeom>
+            <a:avLst/>
+            <a:gdLst/>
+            <a:ahLst/>
+            <a:cxnLst/>
+            <a:rect l="l" t="t" r="r" b="b"/>
+            <a:pathLst>
+              <a:path w="120000" h="120000" extrusionOk="0">
+                <a:moveTo>
+                  <a:pt x="0" y="0"/>
+                </a:moveTo>
+                <a:lnTo>
+                  <a:pt x="120000" y="0"/>
+                </a:lnTo>
+                <a:lnTo>
+                  <a:pt x="120000" y="120000"/>
+                </a:lnTo>
+                <a:lnTo>
+                  <a:pt x="0" y="120000"/>
+                </a:lnTo>
+                <a:close/>
+              </a:path>
+            </a:pathLst>
+          </a:custGeom>
+        </p:spPr>
+      </p:sp>
+      <p:sp>
+        <p:nvSpPr>
+          <p:cNvPr id="418" name="Google Shape;418;g36e77ca6010_6_89:notes"/>
+          <p:cNvSpPr txBox="1">
+            <a:spLocks noGrp="1"/>
+          </p:cNvSpPr>
+          <p:nvPr>
+            <p:ph type="body" idx="1"/>
+          </p:nvPr>
+        </p:nvSpPr>
+        <p:spPr>
+          <a:xfrm>
+            <a:off x="685800" y="4343400"/>
+            <a:ext cx="5486400" cy="4114800"/>
+          </a:xfrm>
+          <a:prstGeom prst="rect">
+            <a:avLst/>
+          </a:prstGeom>
+        </p:spPr>
+        <p:txBody>
+          <a:bodyPr spcFirstLastPara="1" wrap="square" lIns="91425" tIns="91425" rIns="91425" bIns="91425" anchor="t" anchorCtr="0">
+            <a:noAutofit/>
+          </a:bodyPr>
+          <a:lstStyle/>
+          <a:p>
+            <a:pPr marL="0" lvl="0" indent="0" algn="l" rtl="0">
+              <a:spcBef>
+                <a:spcPts val="0"/>
+              </a:spcBef>
+              <a:spcAft>
+                <a:spcPts val="0"/>
+              </a:spcAft>
+              <a:buNone/>
+            </a:pPr>
+            <a:endParaRPr/>
+          </a:p>
+        </p:txBody>
+      </p:sp>
+    </p:spTree>
+  </p:cSld>
+  <p:clrMapOvr>
+    <a:masterClrMapping/>
+  </p:clrMapOvr>
+</p:notes>
+</file>
+
+<file path=ppt/notesSlides/notesSlide41.xml><?xml version="1.0" encoding="utf-8"?>
+<p:notes xmlns:a="http://schemas.openxmlformats.org/drawingml/2006/main" xmlns:r="http://schemas.openxmlformats.org/officeDocument/2006/relationships" xmlns:p="http://schemas.openxmlformats.org/presentationml/2006/main" showMasterSp="0" showMasterPhAnim="0">
+  <p:cSld>
+    <p:spTree>
+      <p:nvGrpSpPr>
+        <p:cNvPr id="1" name="Shape 422"/>
+        <p:cNvGrpSpPr/>
+        <p:nvPr/>
+      </p:nvGrpSpPr>
+      <p:grpSpPr>
+        <a:xfrm>
+          <a:off x="0" y="0"/>
+          <a:ext cx="0" cy="0"/>
+          <a:chOff x="0" y="0"/>
+          <a:chExt cx="0" cy="0"/>
+        </a:xfrm>
+      </p:grpSpPr>
+      <p:sp>
+        <p:nvSpPr>
+          <p:cNvPr id="423" name="Google Shape;423;g36e77ca6010_6_33:notes"/>
+          <p:cNvSpPr>
+            <a:spLocks noGrp="1" noRot="1" noChangeAspect="1"/>
+          </p:cNvSpPr>
+          <p:nvPr>
+            <p:ph type="sldImg" idx="2"/>
+          </p:nvPr>
+        </p:nvSpPr>
+        <p:spPr>
+          <a:xfrm>
+            <a:off x="1143225" y="685800"/>
+            <a:ext cx="4572300" cy="3429000"/>
+          </a:xfrm>
+          <a:custGeom>
+            <a:avLst/>
+            <a:gdLst/>
+            <a:ahLst/>
+            <a:cxnLst/>
+            <a:rect l="l" t="t" r="r" b="b"/>
+            <a:pathLst>
+              <a:path w="120000" h="120000" extrusionOk="0">
+                <a:moveTo>
+                  <a:pt x="0" y="0"/>
+                </a:moveTo>
+                <a:lnTo>
+                  <a:pt x="120000" y="0"/>
+                </a:lnTo>
+                <a:lnTo>
+                  <a:pt x="120000" y="120000"/>
+                </a:lnTo>
+                <a:lnTo>
+                  <a:pt x="0" y="120000"/>
+                </a:lnTo>
+                <a:close/>
+              </a:path>
+            </a:pathLst>
+          </a:custGeom>
+        </p:spPr>
+      </p:sp>
+      <p:sp>
+        <p:nvSpPr>
+          <p:cNvPr id="424" name="Google Shape;424;g36e77ca6010_6_33:notes"/>
+          <p:cNvSpPr txBox="1">
+            <a:spLocks noGrp="1"/>
+          </p:cNvSpPr>
+          <p:nvPr>
+            <p:ph type="body" idx="1"/>
+          </p:nvPr>
+        </p:nvSpPr>
+        <p:spPr>
+          <a:xfrm>
+            <a:off x="685800" y="4343400"/>
+            <a:ext cx="5486400" cy="4114800"/>
+          </a:xfrm>
+          <a:prstGeom prst="rect">
+            <a:avLst/>
+          </a:prstGeom>
+        </p:spPr>
+        <p:txBody>
+          <a:bodyPr spcFirstLastPara="1" wrap="square" lIns="91425" tIns="91425" rIns="91425" bIns="91425" anchor="t" anchorCtr="0">
+            <a:noAutofit/>
+          </a:bodyPr>
+          <a:lstStyle/>
+          <a:p>
+            <a:pPr marL="0" lvl="0" indent="0" algn="l" rtl="0">
+              <a:spcBef>
+                <a:spcPts val="0"/>
+              </a:spcBef>
+              <a:spcAft>
+                <a:spcPts val="0"/>
+              </a:spcAft>
+              <a:buNone/>
+            </a:pPr>
+            <a:endParaRPr/>
+          </a:p>
+        </p:txBody>
+      </p:sp>
+    </p:spTree>
+  </p:cSld>
+  <p:clrMapOvr>
+    <a:masterClrMapping/>
+  </p:clrMapOvr>
+</p:notes>
+</file>
+
+<file path=ppt/notesSlides/notesSlide42.xml><?xml version="1.0" encoding="utf-8"?>
+<p:notes xmlns:a="http://schemas.openxmlformats.org/drawingml/2006/main" xmlns:r="http://schemas.openxmlformats.org/officeDocument/2006/relationships" xmlns:p="http://schemas.openxmlformats.org/presentationml/2006/main" showMasterSp="0" showMasterPhAnim="0">
+  <p:cSld>
+    <p:spTree>
+      <p:nvGrpSpPr>
+        <p:cNvPr id="1" name="Shape 429"/>
+        <p:cNvGrpSpPr/>
+        <p:nvPr/>
+      </p:nvGrpSpPr>
+      <p:grpSpPr>
+        <a:xfrm>
+          <a:off x="0" y="0"/>
+          <a:ext cx="0" cy="0"/>
+          <a:chOff x="0" y="0"/>
+          <a:chExt cx="0" cy="0"/>
+        </a:xfrm>
+      </p:grpSpPr>
+      <p:sp>
+        <p:nvSpPr>
+          <p:cNvPr id="430" name="Google Shape;430;g36e77ca6010_6_95:notes"/>
+          <p:cNvSpPr>
+            <a:spLocks noGrp="1" noRot="1" noChangeAspect="1"/>
+          </p:cNvSpPr>
+          <p:nvPr>
+            <p:ph type="sldImg" idx="2"/>
+          </p:nvPr>
+        </p:nvSpPr>
+        <p:spPr>
+          <a:xfrm>
+            <a:off x="1143225" y="685800"/>
+            <a:ext cx="4572300" cy="3429000"/>
+          </a:xfrm>
+          <a:custGeom>
+            <a:avLst/>
+            <a:gdLst/>
+            <a:ahLst/>
+            <a:cxnLst/>
+            <a:rect l="l" t="t" r="r" b="b"/>
+            <a:pathLst>
+              <a:path w="120000" h="120000" extrusionOk="0">
+                <a:moveTo>
+                  <a:pt x="0" y="0"/>
+                </a:moveTo>
+                <a:lnTo>
+                  <a:pt x="120000" y="0"/>
+                </a:lnTo>
+                <a:lnTo>
+                  <a:pt x="120000" y="120000"/>
+                </a:lnTo>
+                <a:lnTo>
+                  <a:pt x="0" y="120000"/>
+                </a:lnTo>
+                <a:close/>
+              </a:path>
+            </a:pathLst>
+          </a:custGeom>
+        </p:spPr>
+      </p:sp>
+      <p:sp>
+        <p:nvSpPr>
+          <p:cNvPr id="431" name="Google Shape;431;g36e77ca6010_6_95:notes"/>
+          <p:cNvSpPr txBox="1">
+            <a:spLocks noGrp="1"/>
+          </p:cNvSpPr>
+          <p:nvPr>
+            <p:ph type="body" idx="1"/>
+          </p:nvPr>
+        </p:nvSpPr>
+        <p:spPr>
+          <a:xfrm>
+            <a:off x="685800" y="4343400"/>
+            <a:ext cx="5486400" cy="4114800"/>
+          </a:xfrm>
+          <a:prstGeom prst="rect">
+            <a:avLst/>
+          </a:prstGeom>
+        </p:spPr>
+        <p:txBody>
+          <a:bodyPr spcFirstLastPara="1" wrap="square" lIns="91425" tIns="91425" rIns="91425" bIns="91425" anchor="t" anchorCtr="0">
+            <a:noAutofit/>
+          </a:bodyPr>
+          <a:lstStyle/>
+          <a:p>
+            <a:pPr marL="0" lvl="0" indent="0" algn="l" rtl="0">
+              <a:spcBef>
+                <a:spcPts val="0"/>
+              </a:spcBef>
+              <a:spcAft>
+                <a:spcPts val="0"/>
+              </a:spcAft>
+              <a:buNone/>
+            </a:pPr>
+            <a:endParaRPr/>
+          </a:p>
+        </p:txBody>
+      </p:sp>
+    </p:spTree>
+  </p:cSld>
+  <p:clrMapOvr>
+    <a:masterClrMapping/>
+  </p:clrMapOvr>
+</p:notes>
+</file>
+
+<file path=ppt/notesSlides/notesSlide43.xml><?xml version="1.0" encoding="utf-8"?>
+<p:notes xmlns:a="http://schemas.openxmlformats.org/drawingml/2006/main" xmlns:r="http://schemas.openxmlformats.org/officeDocument/2006/relationships" xmlns:p="http://schemas.openxmlformats.org/presentationml/2006/main" showMasterSp="0" showMasterPhAnim="0">
+  <p:cSld>
+    <p:spTree>
+      <p:nvGrpSpPr>
+        <p:cNvPr id="1" name="Shape 436"/>
+        <p:cNvGrpSpPr/>
+        <p:nvPr/>
+      </p:nvGrpSpPr>
+      <p:grpSpPr>
+        <a:xfrm>
+          <a:off x="0" y="0"/>
+          <a:ext cx="0" cy="0"/>
+          <a:chOff x="0" y="0"/>
+          <a:chExt cx="0" cy="0"/>
+        </a:xfrm>
+      </p:grpSpPr>
+      <p:sp>
+        <p:nvSpPr>
+          <p:cNvPr id="437" name="Google Shape;437;g36e77ca6010_6_37:notes"/>
+          <p:cNvSpPr>
+            <a:spLocks noGrp="1" noRot="1" noChangeAspect="1"/>
+          </p:cNvSpPr>
+          <p:nvPr>
+            <p:ph type="sldImg" idx="2"/>
+          </p:nvPr>
+        </p:nvSpPr>
+        <p:spPr>
+          <a:xfrm>
+            <a:off x="1143225" y="685800"/>
+            <a:ext cx="4572300" cy="3429000"/>
+          </a:xfrm>
+          <a:custGeom>
+            <a:avLst/>
+            <a:gdLst/>
+            <a:ahLst/>
+            <a:cxnLst/>
+            <a:rect l="l" t="t" r="r" b="b"/>
+            <a:pathLst>
+              <a:path w="120000" h="120000" extrusionOk="0">
+                <a:moveTo>
+                  <a:pt x="0" y="0"/>
+                </a:moveTo>
+                <a:lnTo>
+                  <a:pt x="120000" y="0"/>
+                </a:lnTo>
+                <a:lnTo>
+                  <a:pt x="120000" y="120000"/>
+                </a:lnTo>
+                <a:lnTo>
+                  <a:pt x="0" y="120000"/>
+                </a:lnTo>
+                <a:close/>
+              </a:path>
+            </a:pathLst>
+          </a:custGeom>
+        </p:spPr>
+      </p:sp>
+      <p:sp>
+        <p:nvSpPr>
+          <p:cNvPr id="438" name="Google Shape;438;g36e77ca6010_6_37:notes"/>
+          <p:cNvSpPr txBox="1">
+            <a:spLocks noGrp="1"/>
+          </p:cNvSpPr>
+          <p:nvPr>
+            <p:ph type="body" idx="1"/>
+          </p:nvPr>
+        </p:nvSpPr>
+        <p:spPr>
+          <a:xfrm>
+            <a:off x="685800" y="4343400"/>
+            <a:ext cx="5486400" cy="4114800"/>
+          </a:xfrm>
+          <a:prstGeom prst="rect">
+            <a:avLst/>
+          </a:prstGeom>
+        </p:spPr>
+        <p:txBody>
+          <a:bodyPr spcFirstLastPara="1" wrap="square" lIns="91425" tIns="91425" rIns="91425" bIns="91425" anchor="t" anchorCtr="0">
+            <a:noAutofit/>
+          </a:bodyPr>
+          <a:lstStyle/>
+          <a:p>
+            <a:pPr marL="0" lvl="0" indent="0" algn="l" rtl="0">
+              <a:spcBef>
+                <a:spcPts val="0"/>
+              </a:spcBef>
+              <a:spcAft>
+                <a:spcPts val="0"/>
+              </a:spcAft>
+              <a:buNone/>
+            </a:pPr>
+            <a:endParaRPr/>
+          </a:p>
+        </p:txBody>
+      </p:sp>
+    </p:spTree>
+  </p:cSld>
+  <p:clrMapOvr>
+    <a:masterClrMapping/>
+  </p:clrMapOvr>
+</p:notes>
+</file>
+
+<file path=ppt/notesSlides/notesSlide44.xml><?xml version="1.0" encoding="utf-8"?>
+<p:notes xmlns:a="http://schemas.openxmlformats.org/drawingml/2006/main" xmlns:r="http://schemas.openxmlformats.org/officeDocument/2006/relationships" xmlns:p="http://schemas.openxmlformats.org/presentationml/2006/main" showMasterSp="0" showMasterPhAnim="0">
+  <p:cSld>
+    <p:spTree>
+      <p:nvGrpSpPr>
+        <p:cNvPr id="1" name="Shape 443"/>
+        <p:cNvGrpSpPr/>
+        <p:nvPr/>
+      </p:nvGrpSpPr>
+      <p:grpSpPr>
+        <a:xfrm>
+          <a:off x="0" y="0"/>
+          <a:ext cx="0" cy="0"/>
+          <a:chOff x="0" y="0"/>
+          <a:chExt cx="0" cy="0"/>
+        </a:xfrm>
+      </p:grpSpPr>
+      <p:sp>
+        <p:nvSpPr>
+          <p:cNvPr id="444" name="Google Shape;444;g36e77ca6010_6_41:notes"/>
+          <p:cNvSpPr>
+            <a:spLocks noGrp="1" noRot="1" noChangeAspect="1"/>
+          </p:cNvSpPr>
+          <p:nvPr>
+            <p:ph type="sldImg" idx="2"/>
+          </p:nvPr>
+        </p:nvSpPr>
+        <p:spPr>
+          <a:xfrm>
+            <a:off x="1143225" y="685800"/>
+            <a:ext cx="4572300" cy="3429000"/>
+          </a:xfrm>
+          <a:custGeom>
+            <a:avLst/>
+            <a:gdLst/>
+            <a:ahLst/>
+            <a:cxnLst/>
+            <a:rect l="l" t="t" r="r" b="b"/>
+            <a:pathLst>
+              <a:path w="120000" h="120000" extrusionOk="0">
+                <a:moveTo>
+                  <a:pt x="0" y="0"/>
+                </a:moveTo>
+                <a:lnTo>
+                  <a:pt x="120000" y="0"/>
+                </a:lnTo>
+                <a:lnTo>
+                  <a:pt x="120000" y="120000"/>
+                </a:lnTo>
+                <a:lnTo>
+                  <a:pt x="0" y="120000"/>
+                </a:lnTo>
+                <a:close/>
+              </a:path>
+            </a:pathLst>
+          </a:custGeom>
+        </p:spPr>
+      </p:sp>
+      <p:sp>
+        <p:nvSpPr>
+          <p:cNvPr id="445" name="Google Shape;445;g36e77ca6010_6_41:notes"/>
+          <p:cNvSpPr txBox="1">
+            <a:spLocks noGrp="1"/>
+          </p:cNvSpPr>
+          <p:nvPr>
+            <p:ph type="body" idx="1"/>
+          </p:nvPr>
+        </p:nvSpPr>
+        <p:spPr>
+          <a:xfrm>
+            <a:off x="685800" y="4343400"/>
+            <a:ext cx="5486400" cy="4114800"/>
+          </a:xfrm>
+          <a:prstGeom prst="rect">
+            <a:avLst/>
+          </a:prstGeom>
+        </p:spPr>
+        <p:txBody>
+          <a:bodyPr spcFirstLastPara="1" wrap="square" lIns="91425" tIns="91425" rIns="91425" bIns="91425" anchor="t" anchorCtr="0">
+            <a:noAutofit/>
+          </a:bodyPr>
+          <a:lstStyle/>
+          <a:p>
+            <a:pPr marL="0" lvl="0" indent="0" algn="l" rtl="0">
+              <a:spcBef>
+                <a:spcPts val="0"/>
+              </a:spcBef>
+              <a:spcAft>
+                <a:spcPts val="0"/>
+              </a:spcAft>
+              <a:buNone/>
+            </a:pPr>
+            <a:endParaRPr/>
+          </a:p>
+        </p:txBody>
+      </p:sp>
+    </p:spTree>
+  </p:cSld>
+  <p:clrMapOvr>
+    <a:masterClrMapping/>
+  </p:clrMapOvr>
+</p:notes>
+</file>
+
+<file path=ppt/notesSlides/notesSlide45.xml><?xml version="1.0" encoding="utf-8"?>
+<p:notes xmlns:a="http://schemas.openxmlformats.org/drawingml/2006/main" xmlns:r="http://schemas.openxmlformats.org/officeDocument/2006/relationships" xmlns:p="http://schemas.openxmlformats.org/presentationml/2006/main" showMasterSp="0" showMasterPhAnim="0">
+  <p:cSld>
+    <p:spTree>
+      <p:nvGrpSpPr>
+        <p:cNvPr id="1" name="Shape 449"/>
+        <p:cNvGrpSpPr/>
+        <p:nvPr/>
+      </p:nvGrpSpPr>
+      <p:grpSpPr>
+        <a:xfrm>
+          <a:off x="0" y="0"/>
+          <a:ext cx="0" cy="0"/>
+          <a:chOff x="0" y="0"/>
+          <a:chExt cx="0" cy="0"/>
+        </a:xfrm>
+      </p:grpSpPr>
+      <p:sp>
+        <p:nvSpPr>
+          <p:cNvPr id="450" name="Google Shape;450;g36e77ca6010_6_45:notes"/>
+          <p:cNvSpPr>
+            <a:spLocks noGrp="1" noRot="1" noChangeAspect="1"/>
+          </p:cNvSpPr>
+          <p:nvPr>
+            <p:ph type="sldImg" idx="2"/>
+          </p:nvPr>
+        </p:nvSpPr>
+        <p:spPr>
+          <a:xfrm>
+            <a:off x="1143225" y="685800"/>
+            <a:ext cx="4572300" cy="3429000"/>
+          </a:xfrm>
+          <a:custGeom>
+            <a:avLst/>
+            <a:gdLst/>
+            <a:ahLst/>
+            <a:cxnLst/>
+            <a:rect l="l" t="t" r="r" b="b"/>
+            <a:pathLst>
+              <a:path w="120000" h="120000" extrusionOk="0">
+                <a:moveTo>
+                  <a:pt x="0" y="0"/>
+                </a:moveTo>
+                <a:lnTo>
+                  <a:pt x="120000" y="0"/>
+                </a:lnTo>
+                <a:lnTo>
+                  <a:pt x="120000" y="120000"/>
+                </a:lnTo>
+                <a:lnTo>
+                  <a:pt x="0" y="120000"/>
+                </a:lnTo>
+                <a:close/>
+              </a:path>
+            </a:pathLst>
+          </a:custGeom>
+        </p:spPr>
+      </p:sp>
+      <p:sp>
+        <p:nvSpPr>
+          <p:cNvPr id="451" name="Google Shape;451;g36e77ca6010_6_45:notes"/>
+          <p:cNvSpPr txBox="1">
+            <a:spLocks noGrp="1"/>
+          </p:cNvSpPr>
+          <p:nvPr>
+            <p:ph type="body" idx="1"/>
+          </p:nvPr>
+        </p:nvSpPr>
+        <p:spPr>
+          <a:xfrm>
+            <a:off x="685800" y="4343400"/>
+            <a:ext cx="5486400" cy="4114800"/>
+          </a:xfrm>
+          <a:prstGeom prst="rect">
+            <a:avLst/>
+          </a:prstGeom>
+        </p:spPr>
+        <p:txBody>
+          <a:bodyPr spcFirstLastPara="1" wrap="square" lIns="91425" tIns="91425" rIns="91425" bIns="91425" anchor="t" anchorCtr="0">
+            <a:noAutofit/>
+          </a:bodyPr>
+          <a:lstStyle/>
+          <a:p>
+            <a:pPr marL="0" lvl="0" indent="0" algn="l" rtl="0">
+              <a:spcBef>
+                <a:spcPts val="0"/>
+              </a:spcBef>
+              <a:spcAft>
+                <a:spcPts val="0"/>
+              </a:spcAft>
+              <a:buNone/>
+            </a:pPr>
+            <a:endParaRPr/>
+          </a:p>
+        </p:txBody>
+      </p:sp>
+    </p:spTree>
+  </p:cSld>
+  <p:clrMapOvr>
+    <a:masterClrMapping/>
+  </p:clrMapOvr>
+</p:notes>
+</file>
+
+<file path=ppt/notesSlides/notesSlide46.xml><?xml version="1.0" encoding="utf-8"?>
+<p:notes xmlns:a="http://schemas.openxmlformats.org/drawingml/2006/main" xmlns:r="http://schemas.openxmlformats.org/officeDocument/2006/relationships" xmlns:p="http://schemas.openxmlformats.org/presentationml/2006/main" showMasterSp="0" showMasterPhAnim="0">
+  <p:cSld>
+    <p:spTree>
+      <p:nvGrpSpPr>
+        <p:cNvPr id="1" name="Shape 455"/>
+        <p:cNvGrpSpPr/>
+        <p:nvPr/>
+      </p:nvGrpSpPr>
+      <p:grpSpPr>
+        <a:xfrm>
+          <a:off x="0" y="0"/>
+          <a:ext cx="0" cy="0"/>
+          <a:chOff x="0" y="0"/>
+          <a:chExt cx="0" cy="0"/>
+        </a:xfrm>
+      </p:grpSpPr>
+      <p:sp>
+        <p:nvSpPr>
+          <p:cNvPr id="456" name="Google Shape;456;g36e77ca6010_6_49:notes"/>
+          <p:cNvSpPr>
+            <a:spLocks noGrp="1" noRot="1" noChangeAspect="1"/>
+          </p:cNvSpPr>
+          <p:nvPr>
+            <p:ph type="sldImg" idx="2"/>
+          </p:nvPr>
+        </p:nvSpPr>
+        <p:spPr>
+          <a:xfrm>
+            <a:off x="1143225" y="685800"/>
+            <a:ext cx="4572300" cy="3429000"/>
+          </a:xfrm>
+          <a:custGeom>
+            <a:avLst/>
+            <a:gdLst/>
+            <a:ahLst/>
+            <a:cxnLst/>
+            <a:rect l="l" t="t" r="r" b="b"/>
+            <a:pathLst>
+              <a:path w="120000" h="120000" extrusionOk="0">
+                <a:moveTo>
+                  <a:pt x="0" y="0"/>
+                </a:moveTo>
+                <a:lnTo>
+                  <a:pt x="120000" y="0"/>
+                </a:lnTo>
+                <a:lnTo>
+                  <a:pt x="120000" y="120000"/>
+                </a:lnTo>
+                <a:lnTo>
+                  <a:pt x="0" y="120000"/>
+                </a:lnTo>
+                <a:close/>
+              </a:path>
+            </a:pathLst>
+          </a:custGeom>
+        </p:spPr>
+      </p:sp>
+      <p:sp>
+        <p:nvSpPr>
+          <p:cNvPr id="457" name="Google Shape;457;g36e77ca6010_6_49:notes"/>
+          <p:cNvSpPr txBox="1">
+            <a:spLocks noGrp="1"/>
+          </p:cNvSpPr>
+          <p:nvPr>
+            <p:ph type="body" idx="1"/>
+          </p:nvPr>
+        </p:nvSpPr>
+        <p:spPr>
+          <a:xfrm>
+            <a:off x="685800" y="4343400"/>
+            <a:ext cx="5486400" cy="4114800"/>
+          </a:xfrm>
+          <a:prstGeom prst="rect">
+            <a:avLst/>
+          </a:prstGeom>
+        </p:spPr>
+        <p:txBody>
+          <a:bodyPr spcFirstLastPara="1" wrap="square" lIns="91425" tIns="91425" rIns="91425" bIns="91425" anchor="t" anchorCtr="0">
+            <a:noAutofit/>
+          </a:bodyPr>
+          <a:lstStyle/>
+          <a:p>
+            <a:pPr marL="0" lvl="0" indent="0" algn="l" rtl="0">
+              <a:spcBef>
+                <a:spcPts val="0"/>
+              </a:spcBef>
+              <a:spcAft>
+                <a:spcPts val="0"/>
+              </a:spcAft>
+              <a:buNone/>
+            </a:pPr>
+            <a:endParaRPr/>
+          </a:p>
+        </p:txBody>
+      </p:sp>
+    </p:spTree>
+  </p:cSld>
+  <p:clrMapOvr>
+    <a:masterClrMapping/>
+  </p:clrMapOvr>
+</p:notes>
+</file>
+
+<file path=ppt/notesSlides/notesSlide47.xml><?xml version="1.0" encoding="utf-8"?>
+<p:notes xmlns:a="http://schemas.openxmlformats.org/drawingml/2006/main" xmlns:r="http://schemas.openxmlformats.org/officeDocument/2006/relationships" xmlns:p="http://schemas.openxmlformats.org/presentationml/2006/main" showMasterSp="0" showMasterPhAnim="0">
+  <p:cSld>
+    <p:spTree>
+      <p:nvGrpSpPr>
+        <p:cNvPr id="1" name="Shape 461"/>
+        <p:cNvGrpSpPr/>
+        <p:nvPr/>
+      </p:nvGrpSpPr>
+      <p:grpSpPr>
+        <a:xfrm>
+          <a:off x="0" y="0"/>
+          <a:ext cx="0" cy="0"/>
+          <a:chOff x="0" y="0"/>
+          <a:chExt cx="0" cy="0"/>
+        </a:xfrm>
+      </p:grpSpPr>
+      <p:sp>
+        <p:nvSpPr>
+          <p:cNvPr id="462" name="Google Shape;462;g36e77ca6010_6_79:notes"/>
+          <p:cNvSpPr>
+            <a:spLocks noGrp="1" noRot="1" noChangeAspect="1"/>
+          </p:cNvSpPr>
+          <p:nvPr>
+            <p:ph type="sldImg" idx="2"/>
+          </p:nvPr>
+        </p:nvSpPr>
+        <p:spPr>
+          <a:xfrm>
+            <a:off x="1143225" y="685800"/>
+            <a:ext cx="4572300" cy="3429000"/>
+          </a:xfrm>
+          <a:custGeom>
+            <a:avLst/>
+            <a:gdLst/>
+            <a:ahLst/>
+            <a:cxnLst/>
+            <a:rect l="l" t="t" r="r" b="b"/>
+            <a:pathLst>
+              <a:path w="120000" h="120000" extrusionOk="0">
+                <a:moveTo>
+                  <a:pt x="0" y="0"/>
+                </a:moveTo>
+                <a:lnTo>
+                  <a:pt x="120000" y="0"/>
+                </a:lnTo>
+                <a:lnTo>
+                  <a:pt x="120000" y="120000"/>
+                </a:lnTo>
+                <a:lnTo>
+                  <a:pt x="0" y="120000"/>
+                </a:lnTo>
+                <a:close/>
+              </a:path>
+            </a:pathLst>
+          </a:custGeom>
+        </p:spPr>
+      </p:sp>
+      <p:sp>
+        <p:nvSpPr>
+          <p:cNvPr id="463" name="Google Shape;463;g36e77ca6010_6_79:notes"/>
+          <p:cNvSpPr txBox="1">
+            <a:spLocks noGrp="1"/>
+          </p:cNvSpPr>
+          <p:nvPr>
+            <p:ph type="body" idx="1"/>
+          </p:nvPr>
+        </p:nvSpPr>
+        <p:spPr>
+          <a:xfrm>
+            <a:off x="685800" y="4343400"/>
+            <a:ext cx="5486400" cy="4114800"/>
+          </a:xfrm>
+          <a:prstGeom prst="rect">
+            <a:avLst/>
+          </a:prstGeom>
+        </p:spPr>
+        <p:txBody>
+          <a:bodyPr spcFirstLastPara="1" wrap="square" lIns="91425" tIns="91425" rIns="91425" bIns="91425" anchor="t" anchorCtr="0">
+            <a:noAutofit/>
+          </a:bodyPr>
+          <a:lstStyle/>
+          <a:p>
+            <a:pPr marL="0" lvl="0" indent="0" algn="l" rtl="0">
+              <a:spcBef>
+                <a:spcPts val="0"/>
+              </a:spcBef>
+              <a:spcAft>
+                <a:spcPts val="0"/>
+              </a:spcAft>
+              <a:buNone/>
+            </a:pPr>
+            <a:endParaRPr/>
+          </a:p>
+        </p:txBody>
+      </p:sp>
+    </p:spTree>
+  </p:cSld>
+  <p:clrMapOvr>
+    <a:masterClrMapping/>
+  </p:clrMapOvr>
+</p:notes>
+</file>
+
+<file path=ppt/notesSlides/notesSlide48.xml><?xml version="1.0" encoding="utf-8"?>
+<p:notes xmlns:a="http://schemas.openxmlformats.org/drawingml/2006/main" xmlns:r="http://schemas.openxmlformats.org/officeDocument/2006/relationships" xmlns:p="http://schemas.openxmlformats.org/presentationml/2006/main" showMasterSp="0" showMasterPhAnim="0">
+  <p:cSld>
+    <p:spTree>
+      <p:nvGrpSpPr>
+        <p:cNvPr id="1" name="Shape 467"/>
+        <p:cNvGrpSpPr/>
+        <p:nvPr/>
+      </p:nvGrpSpPr>
+      <p:grpSpPr>
+        <a:xfrm>
+          <a:off x="0" y="0"/>
+          <a:ext cx="0" cy="0"/>
+          <a:chOff x="0" y="0"/>
+          <a:chExt cx="0" cy="0"/>
+        </a:xfrm>
+      </p:grpSpPr>
+      <p:sp>
+        <p:nvSpPr>
+          <p:cNvPr id="468" name="Google Shape;468;g36e77ca6010_6_109:notes"/>
+          <p:cNvSpPr>
+            <a:spLocks noGrp="1" noRot="1" noChangeAspect="1"/>
+          </p:cNvSpPr>
+          <p:nvPr>
+            <p:ph type="sldImg" idx="2"/>
+          </p:nvPr>
+        </p:nvSpPr>
+        <p:spPr>
+          <a:xfrm>
+            <a:off x="1143225" y="685800"/>
+            <a:ext cx="4572300" cy="3429000"/>
+          </a:xfrm>
+          <a:custGeom>
+            <a:avLst/>
+            <a:gdLst/>
+            <a:ahLst/>
+            <a:cxnLst/>
+            <a:rect l="l" t="t" r="r" b="b"/>
+            <a:pathLst>
+              <a:path w="120000" h="120000" extrusionOk="0">
+                <a:moveTo>
+                  <a:pt x="0" y="0"/>
+                </a:moveTo>
+                <a:lnTo>
+                  <a:pt x="120000" y="0"/>
+                </a:lnTo>
+                <a:lnTo>
+                  <a:pt x="120000" y="120000"/>
+                </a:lnTo>
+                <a:lnTo>
+                  <a:pt x="0" y="120000"/>
+                </a:lnTo>
+                <a:close/>
+              </a:path>
+            </a:pathLst>
+          </a:custGeom>
+        </p:spPr>
+      </p:sp>
+      <p:sp>
+        <p:nvSpPr>
+          <p:cNvPr id="469" name="Google Shape;469;g36e77ca6010_6_109:notes"/>
+          <p:cNvSpPr txBox="1">
+            <a:spLocks noGrp="1"/>
+          </p:cNvSpPr>
+          <p:nvPr>
+            <p:ph type="body" idx="1"/>
+          </p:nvPr>
+        </p:nvSpPr>
+        <p:spPr>
+          <a:xfrm>
+            <a:off x="685800" y="4343400"/>
+            <a:ext cx="5486400" cy="4114800"/>
+          </a:xfrm>
+          <a:prstGeom prst="rect">
+            <a:avLst/>
+          </a:prstGeom>
+        </p:spPr>
+        <p:txBody>
+          <a:bodyPr spcFirstLastPara="1" wrap="square" lIns="91425" tIns="91425" rIns="91425" bIns="91425" anchor="t" anchorCtr="0">
+            <a:noAutofit/>
+          </a:bodyPr>
+          <a:lstStyle/>
+          <a:p>
+            <a:pPr marL="0" lvl="0" indent="0" algn="l" rtl="0">
+              <a:spcBef>
+                <a:spcPts val="0"/>
+              </a:spcBef>
+              <a:spcAft>
+                <a:spcPts val="0"/>
+              </a:spcAft>
+              <a:buNone/>
+            </a:pPr>
+            <a:endParaRPr/>
+          </a:p>
+        </p:txBody>
       </p:sp>
     </p:spTree>
   </p:cSld>
@@ -11355,11 +12995,11 @@
   <p:clrMapOvr>
     <a:masterClrMapping/>
   </p:clrMapOvr>
-  <mc:AlternateContent xmlns:mc="http://schemas.openxmlformats.org/markup-compatibility/2006">
-    <mc:Choice xmlns:p14="http://schemas.microsoft.com/office/powerpoint/2010/main" Requires="p14">
+  <mc:AlternateContent xmlns:mc="http://schemas.openxmlformats.org/markup-compatibility/2006" xmlns:p14="http://schemas.microsoft.com/office/powerpoint/2010/main">
+    <mc:Choice Requires="p14">
       <p:transition spd="slow" p14:dur="2000" advTm="1720"/>
     </mc:Choice>
-    <mc:Fallback>
+    <mc:Fallback xmlns="">
       <p:transition spd="slow" advTm="1720"/>
     </mc:Fallback>
   </mc:AlternateContent>
@@ -20908,6 +22548,909 @@
 </p:sld>
 </file>
 
+<file path=ppt/slides/slide34.xml><?xml version="1.0" encoding="utf-8"?>
+<p:sld xmlns:a="http://schemas.openxmlformats.org/drawingml/2006/main" xmlns:r="http://schemas.openxmlformats.org/officeDocument/2006/relationships" xmlns:p="http://schemas.openxmlformats.org/presentationml/2006/main">
+  <p:cSld>
+    <p:spTree>
+      <p:nvGrpSpPr>
+        <p:cNvPr id="1" name="Shape 377"/>
+        <p:cNvGrpSpPr/>
+        <p:nvPr/>
+      </p:nvGrpSpPr>
+      <p:grpSpPr>
+        <a:xfrm>
+          <a:off x="0" y="0"/>
+          <a:ext cx="0" cy="0"/>
+          <a:chOff x="0" y="0"/>
+          <a:chExt cx="0" cy="0"/>
+        </a:xfrm>
+      </p:grpSpPr>
+      <p:sp>
+        <p:nvSpPr>
+          <p:cNvPr id="378" name="Google Shape;378;p39"/>
+          <p:cNvSpPr txBox="1"/>
+          <p:nvPr/>
+        </p:nvSpPr>
+        <p:spPr>
+          <a:xfrm>
+            <a:off x="168425" y="298000"/>
+            <a:ext cx="3264900" cy="725700"/>
+          </a:xfrm>
+          <a:prstGeom prst="rect">
+            <a:avLst/>
+          </a:prstGeom>
+          <a:noFill/>
+          <a:ln>
+            <a:noFill/>
+          </a:ln>
+        </p:spPr>
+        <p:txBody>
+          <a:bodyPr spcFirstLastPara="1" wrap="square" lIns="91425" tIns="91425" rIns="91425" bIns="91425" anchor="t" anchorCtr="0">
+            <a:noAutofit/>
+          </a:bodyPr>
+          <a:lstStyle/>
+          <a:p>
+            <a:pPr marL="0" lvl="0" indent="0" algn="l" rtl="0">
+              <a:spcBef>
+                <a:spcPts val="0"/>
+              </a:spcBef>
+              <a:spcAft>
+                <a:spcPts val="0"/>
+              </a:spcAft>
+              <a:buNone/>
+            </a:pPr>
+            <a:r>
+              <a:rPr lang="ko-KR" sz="2800">
+                <a:solidFill>
+                  <a:schemeClr val="dk1"/>
+                </a:solidFill>
+                <a:latin typeface="Malgun Gothic"/>
+                <a:ea typeface="Malgun Gothic"/>
+                <a:cs typeface="Malgun Gothic"/>
+                <a:sym typeface="Malgun Gothic"/>
+              </a:rPr>
+              <a:t>enter 및 help 수행</a:t>
+            </a:r>
+            <a:endParaRPr sz="2800">
+              <a:solidFill>
+                <a:schemeClr val="dk1"/>
+              </a:solidFill>
+              <a:latin typeface="Malgun Gothic"/>
+              <a:ea typeface="Malgun Gothic"/>
+              <a:cs typeface="Malgun Gothic"/>
+              <a:sym typeface="Malgun Gothic"/>
+            </a:endParaRPr>
+          </a:p>
+        </p:txBody>
+      </p:sp>
+      <p:pic>
+        <p:nvPicPr>
+          <p:cNvPr id="379" name="Google Shape;379;p39"/>
+          <p:cNvPicPr preferRelativeResize="0"/>
+          <p:nvPr/>
+        </p:nvPicPr>
+        <p:blipFill>
+          <a:blip r:embed="rId3">
+            <a:alphaModFix/>
+          </a:blip>
+          <a:stretch>
+            <a:fillRect/>
+          </a:stretch>
+        </p:blipFill>
+        <p:spPr>
+          <a:xfrm>
+            <a:off x="338799" y="1098350"/>
+            <a:ext cx="5370275" cy="3708475"/>
+          </a:xfrm>
+          <a:prstGeom prst="rect">
+            <a:avLst/>
+          </a:prstGeom>
+          <a:noFill/>
+          <a:ln>
+            <a:noFill/>
+          </a:ln>
+        </p:spPr>
+      </p:pic>
+    </p:spTree>
+  </p:cSld>
+  <p:clrMapOvr>
+    <a:masterClrMapping/>
+  </p:clrMapOvr>
+</p:sld>
+</file>
+
+<file path=ppt/slides/slide35.xml><?xml version="1.0" encoding="utf-8"?>
+<p:sld xmlns:a="http://schemas.openxmlformats.org/drawingml/2006/main" xmlns:r="http://schemas.openxmlformats.org/officeDocument/2006/relationships" xmlns:p="http://schemas.openxmlformats.org/presentationml/2006/main">
+  <p:cSld>
+    <p:spTree>
+      <p:nvGrpSpPr>
+        <p:cNvPr id="1" name="Shape 383"/>
+        <p:cNvGrpSpPr/>
+        <p:nvPr/>
+      </p:nvGrpSpPr>
+      <p:grpSpPr>
+        <a:xfrm>
+          <a:off x="0" y="0"/>
+          <a:ext cx="0" cy="0"/>
+          <a:chOff x="0" y="0"/>
+          <a:chExt cx="0" cy="0"/>
+        </a:xfrm>
+      </p:grpSpPr>
+      <p:sp>
+        <p:nvSpPr>
+          <p:cNvPr id="384" name="Google Shape;384;p40"/>
+          <p:cNvSpPr txBox="1"/>
+          <p:nvPr/>
+        </p:nvSpPr>
+        <p:spPr>
+          <a:xfrm>
+            <a:off x="168425" y="298000"/>
+            <a:ext cx="3264900" cy="725700"/>
+          </a:xfrm>
+          <a:prstGeom prst="rect">
+            <a:avLst/>
+          </a:prstGeom>
+          <a:noFill/>
+          <a:ln>
+            <a:noFill/>
+          </a:ln>
+        </p:spPr>
+        <p:txBody>
+          <a:bodyPr spcFirstLastPara="1" wrap="square" lIns="91425" tIns="91425" rIns="91425" bIns="91425" anchor="t" anchorCtr="0">
+            <a:noAutofit/>
+          </a:bodyPr>
+          <a:lstStyle/>
+          <a:p>
+            <a:pPr marL="0" lvl="0" indent="0" algn="l" rtl="0">
+              <a:spcBef>
+                <a:spcPts val="0"/>
+              </a:spcBef>
+              <a:spcAft>
+                <a:spcPts val="0"/>
+              </a:spcAft>
+              <a:buNone/>
+            </a:pPr>
+            <a:r>
+              <a:rPr lang="ko-KR" sz="2800">
+                <a:solidFill>
+                  <a:schemeClr val="dk1"/>
+                </a:solidFill>
+                <a:latin typeface="Malgun Gothic"/>
+                <a:ea typeface="Malgun Gothic"/>
+                <a:cs typeface="Malgun Gothic"/>
+                <a:sym typeface="Malgun Gothic"/>
+              </a:rPr>
+              <a:t>write &amp; read</a:t>
+            </a:r>
+            <a:endParaRPr sz="2800">
+              <a:solidFill>
+                <a:schemeClr val="dk1"/>
+              </a:solidFill>
+              <a:latin typeface="Malgun Gothic"/>
+              <a:ea typeface="Malgun Gothic"/>
+              <a:cs typeface="Malgun Gothic"/>
+              <a:sym typeface="Malgun Gothic"/>
+            </a:endParaRPr>
+          </a:p>
+        </p:txBody>
+      </p:sp>
+      <p:pic>
+        <p:nvPicPr>
+          <p:cNvPr id="385" name="Google Shape;385;p40"/>
+          <p:cNvPicPr preferRelativeResize="0"/>
+          <p:nvPr/>
+        </p:nvPicPr>
+        <p:blipFill>
+          <a:blip r:embed="rId3">
+            <a:alphaModFix/>
+          </a:blip>
+          <a:stretch>
+            <a:fillRect/>
+          </a:stretch>
+        </p:blipFill>
+        <p:spPr>
+          <a:xfrm>
+            <a:off x="279775" y="1023700"/>
+            <a:ext cx="3450475" cy="5060700"/>
+          </a:xfrm>
+          <a:prstGeom prst="rect">
+            <a:avLst/>
+          </a:prstGeom>
+          <a:noFill/>
+          <a:ln>
+            <a:noFill/>
+          </a:ln>
+        </p:spPr>
+      </p:pic>
+    </p:spTree>
+  </p:cSld>
+  <p:clrMapOvr>
+    <a:masterClrMapping/>
+  </p:clrMapOvr>
+</p:sld>
+</file>
+
+<file path=ppt/slides/slide36.xml><?xml version="1.0" encoding="utf-8"?>
+<p:sld xmlns:a="http://schemas.openxmlformats.org/drawingml/2006/main" xmlns:r="http://schemas.openxmlformats.org/officeDocument/2006/relationships" xmlns:p="http://schemas.openxmlformats.org/presentationml/2006/main">
+  <p:cSld>
+    <p:spTree>
+      <p:nvGrpSpPr>
+        <p:cNvPr id="1" name="Shape 389"/>
+        <p:cNvGrpSpPr/>
+        <p:nvPr/>
+      </p:nvGrpSpPr>
+      <p:grpSpPr>
+        <a:xfrm>
+          <a:off x="0" y="0"/>
+          <a:ext cx="0" cy="0"/>
+          <a:chOff x="0" y="0"/>
+          <a:chExt cx="0" cy="0"/>
+        </a:xfrm>
+      </p:grpSpPr>
+      <p:sp>
+        <p:nvSpPr>
+          <p:cNvPr id="390" name="Google Shape;390;p41"/>
+          <p:cNvSpPr txBox="1"/>
+          <p:nvPr/>
+        </p:nvSpPr>
+        <p:spPr>
+          <a:xfrm>
+            <a:off x="168425" y="298000"/>
+            <a:ext cx="7522200" cy="725700"/>
+          </a:xfrm>
+          <a:prstGeom prst="rect">
+            <a:avLst/>
+          </a:prstGeom>
+          <a:noFill/>
+          <a:ln>
+            <a:noFill/>
+          </a:ln>
+        </p:spPr>
+        <p:txBody>
+          <a:bodyPr spcFirstLastPara="1" wrap="square" lIns="91425" tIns="91425" rIns="91425" bIns="91425" anchor="t" anchorCtr="0">
+            <a:noAutofit/>
+          </a:bodyPr>
+          <a:lstStyle/>
+          <a:p>
+            <a:pPr marL="0" lvl="0" indent="0" algn="l" rtl="0">
+              <a:spcBef>
+                <a:spcPts val="0"/>
+              </a:spcBef>
+              <a:spcAft>
+                <a:spcPts val="0"/>
+              </a:spcAft>
+              <a:buNone/>
+            </a:pPr>
+            <a:r>
+              <a:rPr lang="ko-KR" sz="2800">
+                <a:solidFill>
+                  <a:schemeClr val="dk1"/>
+                </a:solidFill>
+                <a:latin typeface="Malgun Gothic"/>
+                <a:ea typeface="Malgun Gothic"/>
+                <a:cs typeface="Malgun Gothic"/>
+                <a:sym typeface="Malgun Gothic"/>
+              </a:rPr>
+              <a:t>read (경계값 테스트)</a:t>
+            </a:r>
+            <a:endParaRPr sz="2800">
+              <a:solidFill>
+                <a:schemeClr val="dk1"/>
+              </a:solidFill>
+              <a:latin typeface="Malgun Gothic"/>
+              <a:ea typeface="Malgun Gothic"/>
+              <a:cs typeface="Malgun Gothic"/>
+              <a:sym typeface="Malgun Gothic"/>
+            </a:endParaRPr>
+          </a:p>
+        </p:txBody>
+      </p:sp>
+      <p:pic>
+        <p:nvPicPr>
+          <p:cNvPr id="391" name="Google Shape;391;p41"/>
+          <p:cNvPicPr preferRelativeResize="0"/>
+          <p:nvPr/>
+        </p:nvPicPr>
+        <p:blipFill>
+          <a:blip r:embed="rId3">
+            <a:alphaModFix/>
+          </a:blip>
+          <a:stretch>
+            <a:fillRect/>
+          </a:stretch>
+        </p:blipFill>
+        <p:spPr>
+          <a:xfrm>
+            <a:off x="485500" y="1023700"/>
+            <a:ext cx="3774825" cy="5004625"/>
+          </a:xfrm>
+          <a:prstGeom prst="rect">
+            <a:avLst/>
+          </a:prstGeom>
+          <a:noFill/>
+          <a:ln>
+            <a:noFill/>
+          </a:ln>
+        </p:spPr>
+      </p:pic>
+    </p:spTree>
+  </p:cSld>
+  <p:clrMapOvr>
+    <a:masterClrMapping/>
+  </p:clrMapOvr>
+</p:sld>
+</file>
+
+<file path=ppt/slides/slide37.xml><?xml version="1.0" encoding="utf-8"?>
+<p:sld xmlns:a="http://schemas.openxmlformats.org/drawingml/2006/main" xmlns:r="http://schemas.openxmlformats.org/officeDocument/2006/relationships" xmlns:p="http://schemas.openxmlformats.org/presentationml/2006/main">
+  <p:cSld>
+    <p:spTree>
+      <p:nvGrpSpPr>
+        <p:cNvPr id="1" name="Shape 395"/>
+        <p:cNvGrpSpPr/>
+        <p:nvPr/>
+      </p:nvGrpSpPr>
+      <p:grpSpPr>
+        <a:xfrm>
+          <a:off x="0" y="0"/>
+          <a:ext cx="0" cy="0"/>
+          <a:chOff x="0" y="0"/>
+          <a:chExt cx="0" cy="0"/>
+        </a:xfrm>
+      </p:grpSpPr>
+      <p:sp>
+        <p:nvSpPr>
+          <p:cNvPr id="396" name="Google Shape;396;p42"/>
+          <p:cNvSpPr txBox="1"/>
+          <p:nvPr/>
+        </p:nvSpPr>
+        <p:spPr>
+          <a:xfrm>
+            <a:off x="168425" y="298000"/>
+            <a:ext cx="7522200" cy="725700"/>
+          </a:xfrm>
+          <a:prstGeom prst="rect">
+            <a:avLst/>
+          </a:prstGeom>
+          <a:noFill/>
+          <a:ln>
+            <a:noFill/>
+          </a:ln>
+        </p:spPr>
+        <p:txBody>
+          <a:bodyPr spcFirstLastPara="1" wrap="square" lIns="91425" tIns="91425" rIns="91425" bIns="91425" anchor="t" anchorCtr="0">
+            <a:noAutofit/>
+          </a:bodyPr>
+          <a:lstStyle/>
+          <a:p>
+            <a:pPr marL="0" lvl="0" indent="0" algn="l" rtl="0">
+              <a:spcBef>
+                <a:spcPts val="0"/>
+              </a:spcBef>
+              <a:spcAft>
+                <a:spcPts val="0"/>
+              </a:spcAft>
+              <a:buNone/>
+            </a:pPr>
+            <a:r>
+              <a:rPr lang="ko-KR" sz="2800">
+                <a:solidFill>
+                  <a:schemeClr val="dk1"/>
+                </a:solidFill>
+                <a:latin typeface="Malgun Gothic"/>
+                <a:ea typeface="Malgun Gothic"/>
+                <a:cs typeface="Malgun Gothic"/>
+                <a:sym typeface="Malgun Gothic"/>
+              </a:rPr>
+              <a:t>write (경계값 테스트)</a:t>
+            </a:r>
+            <a:endParaRPr sz="2800">
+              <a:solidFill>
+                <a:schemeClr val="dk1"/>
+              </a:solidFill>
+              <a:latin typeface="Malgun Gothic"/>
+              <a:ea typeface="Malgun Gothic"/>
+              <a:cs typeface="Malgun Gothic"/>
+              <a:sym typeface="Malgun Gothic"/>
+            </a:endParaRPr>
+          </a:p>
+        </p:txBody>
+      </p:sp>
+      <p:pic>
+        <p:nvPicPr>
+          <p:cNvPr id="397" name="Google Shape;397;p42"/>
+          <p:cNvPicPr preferRelativeResize="0"/>
+          <p:nvPr/>
+        </p:nvPicPr>
+        <p:blipFill>
+          <a:blip r:embed="rId3">
+            <a:alphaModFix/>
+          </a:blip>
+          <a:stretch>
+            <a:fillRect/>
+          </a:stretch>
+        </p:blipFill>
+        <p:spPr>
+          <a:xfrm>
+            <a:off x="397325" y="1023700"/>
+            <a:ext cx="3352550" cy="5648325"/>
+          </a:xfrm>
+          <a:prstGeom prst="rect">
+            <a:avLst/>
+          </a:prstGeom>
+          <a:noFill/>
+          <a:ln>
+            <a:noFill/>
+          </a:ln>
+        </p:spPr>
+      </p:pic>
+    </p:spTree>
+  </p:cSld>
+  <p:clrMapOvr>
+    <a:masterClrMapping/>
+  </p:clrMapOvr>
+</p:sld>
+</file>
+
+<file path=ppt/slides/slide38.xml><?xml version="1.0" encoding="utf-8"?>
+<p:sld xmlns:a="http://schemas.openxmlformats.org/drawingml/2006/main" xmlns:r="http://schemas.openxmlformats.org/officeDocument/2006/relationships" xmlns:p="http://schemas.openxmlformats.org/presentationml/2006/main">
+  <p:cSld>
+    <p:spTree>
+      <p:nvGrpSpPr>
+        <p:cNvPr id="1" name="Shape 401"/>
+        <p:cNvGrpSpPr/>
+        <p:nvPr/>
+      </p:nvGrpSpPr>
+      <p:grpSpPr>
+        <a:xfrm>
+          <a:off x="0" y="0"/>
+          <a:ext cx="0" cy="0"/>
+          <a:chOff x="0" y="0"/>
+          <a:chExt cx="0" cy="0"/>
+        </a:xfrm>
+      </p:grpSpPr>
+      <p:sp>
+        <p:nvSpPr>
+          <p:cNvPr id="402" name="Google Shape;402;p43"/>
+          <p:cNvSpPr txBox="1"/>
+          <p:nvPr/>
+        </p:nvSpPr>
+        <p:spPr>
+          <a:xfrm>
+            <a:off x="168425" y="298000"/>
+            <a:ext cx="3264900" cy="725700"/>
+          </a:xfrm>
+          <a:prstGeom prst="rect">
+            <a:avLst/>
+          </a:prstGeom>
+          <a:noFill/>
+          <a:ln>
+            <a:noFill/>
+          </a:ln>
+        </p:spPr>
+        <p:txBody>
+          <a:bodyPr spcFirstLastPara="1" wrap="square" lIns="91425" tIns="91425" rIns="91425" bIns="91425" anchor="t" anchorCtr="0">
+            <a:noAutofit/>
+          </a:bodyPr>
+          <a:lstStyle/>
+          <a:p>
+            <a:pPr marL="0" lvl="0" indent="0" algn="l" rtl="0">
+              <a:spcBef>
+                <a:spcPts val="0"/>
+              </a:spcBef>
+              <a:spcAft>
+                <a:spcPts val="0"/>
+              </a:spcAft>
+              <a:buNone/>
+            </a:pPr>
+            <a:r>
+              <a:rPr lang="ko-KR" sz="2800">
+                <a:solidFill>
+                  <a:schemeClr val="dk1"/>
+                </a:solidFill>
+                <a:latin typeface="Malgun Gothic"/>
+                <a:ea typeface="Malgun Gothic"/>
+                <a:cs typeface="Malgun Gothic"/>
+                <a:sym typeface="Malgun Gothic"/>
+              </a:rPr>
+              <a:t>fullwrite &amp; fullread</a:t>
+            </a:r>
+            <a:endParaRPr sz="2800">
+              <a:solidFill>
+                <a:schemeClr val="dk1"/>
+              </a:solidFill>
+              <a:latin typeface="Malgun Gothic"/>
+              <a:ea typeface="Malgun Gothic"/>
+              <a:cs typeface="Malgun Gothic"/>
+              <a:sym typeface="Malgun Gothic"/>
+            </a:endParaRPr>
+          </a:p>
+        </p:txBody>
+      </p:sp>
+      <p:pic>
+        <p:nvPicPr>
+          <p:cNvPr id="403" name="Google Shape;403;p43"/>
+          <p:cNvPicPr preferRelativeResize="0"/>
+          <p:nvPr/>
+        </p:nvPicPr>
+        <p:blipFill>
+          <a:blip r:embed="rId3">
+            <a:alphaModFix/>
+          </a:blip>
+          <a:stretch>
+            <a:fillRect/>
+          </a:stretch>
+        </p:blipFill>
+        <p:spPr>
+          <a:xfrm>
+            <a:off x="269975" y="1068325"/>
+            <a:ext cx="5000525" cy="1130550"/>
+          </a:xfrm>
+          <a:prstGeom prst="rect">
+            <a:avLst/>
+          </a:prstGeom>
+          <a:noFill/>
+          <a:ln>
+            <a:noFill/>
+          </a:ln>
+        </p:spPr>
+      </p:pic>
+      <p:pic>
+        <p:nvPicPr>
+          <p:cNvPr id="404" name="Google Shape;404;p43"/>
+          <p:cNvPicPr preferRelativeResize="0"/>
+          <p:nvPr/>
+        </p:nvPicPr>
+        <p:blipFill>
+          <a:blip r:embed="rId4">
+            <a:alphaModFix/>
+          </a:blip>
+          <a:stretch>
+            <a:fillRect/>
+          </a:stretch>
+        </p:blipFill>
+        <p:spPr>
+          <a:xfrm>
+            <a:off x="6451975" y="64225"/>
+            <a:ext cx="1495425" cy="3524250"/>
+          </a:xfrm>
+          <a:prstGeom prst="rect">
+            <a:avLst/>
+          </a:prstGeom>
+          <a:noFill/>
+          <a:ln>
+            <a:noFill/>
+          </a:ln>
+        </p:spPr>
+      </p:pic>
+      <p:pic>
+        <p:nvPicPr>
+          <p:cNvPr id="405" name="Google Shape;405;p43"/>
+          <p:cNvPicPr preferRelativeResize="0"/>
+          <p:nvPr/>
+        </p:nvPicPr>
+        <p:blipFill>
+          <a:blip r:embed="rId5">
+            <a:alphaModFix/>
+          </a:blip>
+          <a:stretch>
+            <a:fillRect/>
+          </a:stretch>
+        </p:blipFill>
+        <p:spPr>
+          <a:xfrm>
+            <a:off x="6423400" y="4367900"/>
+            <a:ext cx="1524000" cy="1733550"/>
+          </a:xfrm>
+          <a:prstGeom prst="rect">
+            <a:avLst/>
+          </a:prstGeom>
+          <a:noFill/>
+          <a:ln>
+            <a:noFill/>
+          </a:ln>
+        </p:spPr>
+      </p:pic>
+      <p:sp>
+        <p:nvSpPr>
+          <p:cNvPr id="406" name="Google Shape;406;p43"/>
+          <p:cNvSpPr/>
+          <p:nvPr/>
+        </p:nvSpPr>
+        <p:spPr>
+          <a:xfrm>
+            <a:off x="7063750" y="3673925"/>
+            <a:ext cx="137100" cy="137100"/>
+          </a:xfrm>
+          <a:prstGeom prst="ellipse">
+            <a:avLst/>
+          </a:prstGeom>
+          <a:solidFill>
+            <a:schemeClr val="lt2"/>
+          </a:solidFill>
+          <a:ln w="9525" cap="flat" cmpd="sng">
+            <a:solidFill>
+              <a:schemeClr val="dk2"/>
+            </a:solidFill>
+            <a:prstDash val="solid"/>
+            <a:round/>
+            <a:headEnd type="none" w="sm" len="sm"/>
+            <a:tailEnd type="none" w="sm" len="sm"/>
+          </a:ln>
+        </p:spPr>
+        <p:txBody>
+          <a:bodyPr spcFirstLastPara="1" wrap="square" lIns="91425" tIns="91425" rIns="91425" bIns="91425" anchor="ctr" anchorCtr="0">
+            <a:noAutofit/>
+          </a:bodyPr>
+          <a:lstStyle/>
+          <a:p>
+            <a:pPr marL="0" lvl="0" indent="0" algn="ctr" rtl="0">
+              <a:spcBef>
+                <a:spcPts val="0"/>
+              </a:spcBef>
+              <a:spcAft>
+                <a:spcPts val="0"/>
+              </a:spcAft>
+              <a:buNone/>
+            </a:pPr>
+            <a:endParaRPr>
+              <a:latin typeface="Malgun Gothic"/>
+              <a:ea typeface="Malgun Gothic"/>
+              <a:cs typeface="Malgun Gothic"/>
+              <a:sym typeface="Malgun Gothic"/>
+            </a:endParaRPr>
+          </a:p>
+        </p:txBody>
+      </p:sp>
+      <p:sp>
+        <p:nvSpPr>
+          <p:cNvPr id="407" name="Google Shape;407;p43"/>
+          <p:cNvSpPr/>
+          <p:nvPr/>
+        </p:nvSpPr>
+        <p:spPr>
+          <a:xfrm>
+            <a:off x="7063750" y="3902525"/>
+            <a:ext cx="137100" cy="137100"/>
+          </a:xfrm>
+          <a:prstGeom prst="ellipse">
+            <a:avLst/>
+          </a:prstGeom>
+          <a:solidFill>
+            <a:schemeClr val="lt2"/>
+          </a:solidFill>
+          <a:ln w="9525" cap="flat" cmpd="sng">
+            <a:solidFill>
+              <a:schemeClr val="dk2"/>
+            </a:solidFill>
+            <a:prstDash val="solid"/>
+            <a:round/>
+            <a:headEnd type="none" w="sm" len="sm"/>
+            <a:tailEnd type="none" w="sm" len="sm"/>
+          </a:ln>
+        </p:spPr>
+        <p:txBody>
+          <a:bodyPr spcFirstLastPara="1" wrap="square" lIns="91425" tIns="91425" rIns="91425" bIns="91425" anchor="ctr" anchorCtr="0">
+            <a:noAutofit/>
+          </a:bodyPr>
+          <a:lstStyle/>
+          <a:p>
+            <a:pPr marL="0" lvl="0" indent="0" algn="ctr" rtl="0">
+              <a:spcBef>
+                <a:spcPts val="0"/>
+              </a:spcBef>
+              <a:spcAft>
+                <a:spcPts val="0"/>
+              </a:spcAft>
+              <a:buNone/>
+            </a:pPr>
+            <a:endParaRPr>
+              <a:latin typeface="Malgun Gothic"/>
+              <a:ea typeface="Malgun Gothic"/>
+              <a:cs typeface="Malgun Gothic"/>
+              <a:sym typeface="Malgun Gothic"/>
+            </a:endParaRPr>
+          </a:p>
+        </p:txBody>
+      </p:sp>
+      <p:sp>
+        <p:nvSpPr>
+          <p:cNvPr id="408" name="Google Shape;408;p43"/>
+          <p:cNvSpPr/>
+          <p:nvPr/>
+        </p:nvSpPr>
+        <p:spPr>
+          <a:xfrm>
+            <a:off x="7063750" y="4131125"/>
+            <a:ext cx="137100" cy="137100"/>
+          </a:xfrm>
+          <a:prstGeom prst="ellipse">
+            <a:avLst/>
+          </a:prstGeom>
+          <a:solidFill>
+            <a:schemeClr val="lt2"/>
+          </a:solidFill>
+          <a:ln w="9525" cap="flat" cmpd="sng">
+            <a:solidFill>
+              <a:schemeClr val="dk2"/>
+            </a:solidFill>
+            <a:prstDash val="solid"/>
+            <a:round/>
+            <a:headEnd type="none" w="sm" len="sm"/>
+            <a:tailEnd type="none" w="sm" len="sm"/>
+          </a:ln>
+        </p:spPr>
+        <p:txBody>
+          <a:bodyPr spcFirstLastPara="1" wrap="square" lIns="91425" tIns="91425" rIns="91425" bIns="91425" anchor="ctr" anchorCtr="0">
+            <a:noAutofit/>
+          </a:bodyPr>
+          <a:lstStyle/>
+          <a:p>
+            <a:pPr marL="0" lvl="0" indent="0" algn="ctr" rtl="0">
+              <a:spcBef>
+                <a:spcPts val="0"/>
+              </a:spcBef>
+              <a:spcAft>
+                <a:spcPts val="0"/>
+              </a:spcAft>
+              <a:buNone/>
+            </a:pPr>
+            <a:endParaRPr>
+              <a:latin typeface="Malgun Gothic"/>
+              <a:ea typeface="Malgun Gothic"/>
+              <a:cs typeface="Malgun Gothic"/>
+              <a:sym typeface="Malgun Gothic"/>
+            </a:endParaRPr>
+          </a:p>
+        </p:txBody>
+      </p:sp>
+    </p:spTree>
+  </p:cSld>
+  <p:clrMapOvr>
+    <a:masterClrMapping/>
+  </p:clrMapOvr>
+</p:sld>
+</file>
+
+<file path=ppt/slides/slide39.xml><?xml version="1.0" encoding="utf-8"?>
+<p:sld xmlns:a="http://schemas.openxmlformats.org/drawingml/2006/main" xmlns:r="http://schemas.openxmlformats.org/officeDocument/2006/relationships" xmlns:p="http://schemas.openxmlformats.org/presentationml/2006/main">
+  <p:cSld>
+    <p:spTree>
+      <p:nvGrpSpPr>
+        <p:cNvPr id="1" name="Shape 412"/>
+        <p:cNvGrpSpPr/>
+        <p:nvPr/>
+      </p:nvGrpSpPr>
+      <p:grpSpPr>
+        <a:xfrm>
+          <a:off x="0" y="0"/>
+          <a:ext cx="0" cy="0"/>
+          <a:chOff x="0" y="0"/>
+          <a:chExt cx="0" cy="0"/>
+        </a:xfrm>
+      </p:grpSpPr>
+      <p:sp>
+        <p:nvSpPr>
+          <p:cNvPr id="413" name="Google Shape;413;p44"/>
+          <p:cNvSpPr txBox="1"/>
+          <p:nvPr/>
+        </p:nvSpPr>
+        <p:spPr>
+          <a:xfrm>
+            <a:off x="168425" y="298000"/>
+            <a:ext cx="3264900" cy="725700"/>
+          </a:xfrm>
+          <a:prstGeom prst="rect">
+            <a:avLst/>
+          </a:prstGeom>
+          <a:noFill/>
+          <a:ln>
+            <a:noFill/>
+          </a:ln>
+        </p:spPr>
+        <p:txBody>
+          <a:bodyPr spcFirstLastPara="1" wrap="square" lIns="91425" tIns="91425" rIns="91425" bIns="91425" anchor="t" anchorCtr="0">
+            <a:noAutofit/>
+          </a:bodyPr>
+          <a:lstStyle/>
+          <a:p>
+            <a:pPr marL="0" lvl="0" indent="0" algn="l" rtl="0">
+              <a:spcBef>
+                <a:spcPts val="0"/>
+              </a:spcBef>
+              <a:spcAft>
+                <a:spcPts val="0"/>
+              </a:spcAft>
+              <a:buNone/>
+            </a:pPr>
+            <a:r>
+              <a:rPr lang="ko-KR" sz="2800">
+                <a:solidFill>
+                  <a:schemeClr val="dk1"/>
+                </a:solidFill>
+                <a:latin typeface="Malgun Gothic"/>
+                <a:ea typeface="Malgun Gothic"/>
+                <a:cs typeface="Malgun Gothic"/>
+                <a:sym typeface="Malgun Gothic"/>
+              </a:rPr>
+              <a:t>erase</a:t>
+            </a:r>
+            <a:endParaRPr sz="2800">
+              <a:solidFill>
+                <a:schemeClr val="dk1"/>
+              </a:solidFill>
+              <a:latin typeface="Malgun Gothic"/>
+              <a:ea typeface="Malgun Gothic"/>
+              <a:cs typeface="Malgun Gothic"/>
+              <a:sym typeface="Malgun Gothic"/>
+            </a:endParaRPr>
+          </a:p>
+        </p:txBody>
+      </p:sp>
+      <p:pic>
+        <p:nvPicPr>
+          <p:cNvPr id="414" name="Google Shape;414;p44"/>
+          <p:cNvPicPr preferRelativeResize="0"/>
+          <p:nvPr/>
+        </p:nvPicPr>
+        <p:blipFill>
+          <a:blip r:embed="rId3">
+            <a:alphaModFix/>
+          </a:blip>
+          <a:stretch>
+            <a:fillRect/>
+          </a:stretch>
+        </p:blipFill>
+        <p:spPr>
+          <a:xfrm>
+            <a:off x="279750" y="1078125"/>
+            <a:ext cx="3598050" cy="4399450"/>
+          </a:xfrm>
+          <a:prstGeom prst="rect">
+            <a:avLst/>
+          </a:prstGeom>
+          <a:noFill/>
+          <a:ln>
+            <a:noFill/>
+          </a:ln>
+        </p:spPr>
+      </p:pic>
+      <p:pic>
+        <p:nvPicPr>
+          <p:cNvPr id="415" name="Google Shape;415;p44"/>
+          <p:cNvPicPr preferRelativeResize="0"/>
+          <p:nvPr/>
+        </p:nvPicPr>
+        <p:blipFill>
+          <a:blip r:embed="rId4">
+            <a:alphaModFix/>
+          </a:blip>
+          <a:stretch>
+            <a:fillRect/>
+          </a:stretch>
+        </p:blipFill>
+        <p:spPr>
+          <a:xfrm>
+            <a:off x="5912325" y="1023700"/>
+            <a:ext cx="2390525" cy="5285875"/>
+          </a:xfrm>
+          <a:prstGeom prst="rect">
+            <a:avLst/>
+          </a:prstGeom>
+          <a:noFill/>
+          <a:ln>
+            <a:noFill/>
+          </a:ln>
+        </p:spPr>
+      </p:pic>
+    </p:spTree>
+  </p:cSld>
+  <p:clrMapOvr>
+    <a:masterClrMapping/>
+  </p:clrMapOvr>
+</p:sld>
+</file>
+
 <file path=ppt/slides/slide4.xml><?xml version="1.0" encoding="utf-8"?>
 <p:sld xmlns:a="http://schemas.openxmlformats.org/drawingml/2006/main" xmlns:r="http://schemas.openxmlformats.org/officeDocument/2006/relationships" xmlns:p="http://schemas.openxmlformats.org/presentationml/2006/main">
   <p:cSld>
@@ -21722,6 +24265,1089 @@
           </a:ln>
         </p:spPr>
       </p:cxnSp>
+    </p:spTree>
+  </p:cSld>
+  <p:clrMapOvr>
+    <a:masterClrMapping/>
+  </p:clrMapOvr>
+</p:sld>
+</file>
+
+<file path=ppt/slides/slide40.xml><?xml version="1.0" encoding="utf-8"?>
+<p:sld xmlns:a="http://schemas.openxmlformats.org/drawingml/2006/main" xmlns:r="http://schemas.openxmlformats.org/officeDocument/2006/relationships" xmlns:p="http://schemas.openxmlformats.org/presentationml/2006/main">
+  <p:cSld>
+    <p:spTree>
+      <p:nvGrpSpPr>
+        <p:cNvPr id="1" name="Shape 419"/>
+        <p:cNvGrpSpPr/>
+        <p:nvPr/>
+      </p:nvGrpSpPr>
+      <p:grpSpPr>
+        <a:xfrm>
+          <a:off x="0" y="0"/>
+          <a:ext cx="0" cy="0"/>
+          <a:chOff x="0" y="0"/>
+          <a:chExt cx="0" cy="0"/>
+        </a:xfrm>
+      </p:grpSpPr>
+      <p:sp>
+        <p:nvSpPr>
+          <p:cNvPr id="420" name="Google Shape;420;p45"/>
+          <p:cNvSpPr txBox="1"/>
+          <p:nvPr/>
+        </p:nvSpPr>
+        <p:spPr>
+          <a:xfrm>
+            <a:off x="168425" y="298000"/>
+            <a:ext cx="3966000" cy="725700"/>
+          </a:xfrm>
+          <a:prstGeom prst="rect">
+            <a:avLst/>
+          </a:prstGeom>
+          <a:noFill/>
+          <a:ln>
+            <a:noFill/>
+          </a:ln>
+        </p:spPr>
+        <p:txBody>
+          <a:bodyPr spcFirstLastPara="1" wrap="square" lIns="91425" tIns="91425" rIns="91425" bIns="91425" anchor="t" anchorCtr="0">
+            <a:noAutofit/>
+          </a:bodyPr>
+          <a:lstStyle/>
+          <a:p>
+            <a:pPr marL="0" lvl="0" indent="0" algn="l" rtl="0">
+              <a:spcBef>
+                <a:spcPts val="0"/>
+              </a:spcBef>
+              <a:spcAft>
+                <a:spcPts val="0"/>
+              </a:spcAft>
+              <a:buNone/>
+            </a:pPr>
+            <a:r>
+              <a:rPr lang="ko-KR" sz="2800">
+                <a:solidFill>
+                  <a:schemeClr val="dk1"/>
+                </a:solidFill>
+                <a:latin typeface="Malgun Gothic"/>
+                <a:ea typeface="Malgun Gothic"/>
+                <a:cs typeface="Malgun Gothic"/>
+                <a:sym typeface="Malgun Gothic"/>
+              </a:rPr>
+              <a:t>erase (경계값 테스트)</a:t>
+            </a:r>
+            <a:endParaRPr sz="2800">
+              <a:solidFill>
+                <a:schemeClr val="dk1"/>
+              </a:solidFill>
+              <a:latin typeface="Malgun Gothic"/>
+              <a:ea typeface="Malgun Gothic"/>
+              <a:cs typeface="Malgun Gothic"/>
+              <a:sym typeface="Malgun Gothic"/>
+            </a:endParaRPr>
+          </a:p>
+        </p:txBody>
+      </p:sp>
+      <p:pic>
+        <p:nvPicPr>
+          <p:cNvPr id="421" name="Google Shape;421;p45"/>
+          <p:cNvPicPr preferRelativeResize="0"/>
+          <p:nvPr/>
+        </p:nvPicPr>
+        <p:blipFill>
+          <a:blip r:embed="rId3">
+            <a:alphaModFix/>
+          </a:blip>
+          <a:stretch>
+            <a:fillRect/>
+          </a:stretch>
+        </p:blipFill>
+        <p:spPr>
+          <a:xfrm>
+            <a:off x="152400" y="1176100"/>
+            <a:ext cx="2871050" cy="4953575"/>
+          </a:xfrm>
+          <a:prstGeom prst="rect">
+            <a:avLst/>
+          </a:prstGeom>
+          <a:noFill/>
+          <a:ln>
+            <a:noFill/>
+          </a:ln>
+        </p:spPr>
+      </p:pic>
+    </p:spTree>
+  </p:cSld>
+  <p:clrMapOvr>
+    <a:masterClrMapping/>
+  </p:clrMapOvr>
+</p:sld>
+</file>
+
+<file path=ppt/slides/slide41.xml><?xml version="1.0" encoding="utf-8"?>
+<p:sld xmlns:a="http://schemas.openxmlformats.org/drawingml/2006/main" xmlns:r="http://schemas.openxmlformats.org/officeDocument/2006/relationships" xmlns:p="http://schemas.openxmlformats.org/presentationml/2006/main">
+  <p:cSld>
+    <p:spTree>
+      <p:nvGrpSpPr>
+        <p:cNvPr id="1" name="Shape 425"/>
+        <p:cNvGrpSpPr/>
+        <p:nvPr/>
+      </p:nvGrpSpPr>
+      <p:grpSpPr>
+        <a:xfrm>
+          <a:off x="0" y="0"/>
+          <a:ext cx="0" cy="0"/>
+          <a:chOff x="0" y="0"/>
+          <a:chExt cx="0" cy="0"/>
+        </a:xfrm>
+      </p:grpSpPr>
+      <p:sp>
+        <p:nvSpPr>
+          <p:cNvPr id="426" name="Google Shape;426;p46"/>
+          <p:cNvSpPr txBox="1"/>
+          <p:nvPr/>
+        </p:nvSpPr>
+        <p:spPr>
+          <a:xfrm>
+            <a:off x="168425" y="298000"/>
+            <a:ext cx="3828900" cy="725700"/>
+          </a:xfrm>
+          <a:prstGeom prst="rect">
+            <a:avLst/>
+          </a:prstGeom>
+          <a:noFill/>
+          <a:ln>
+            <a:noFill/>
+          </a:ln>
+        </p:spPr>
+        <p:txBody>
+          <a:bodyPr spcFirstLastPara="1" wrap="square" lIns="91425" tIns="91425" rIns="91425" bIns="91425" anchor="t" anchorCtr="0">
+            <a:noAutofit/>
+          </a:bodyPr>
+          <a:lstStyle/>
+          <a:p>
+            <a:pPr marL="0" lvl="0" indent="0" algn="l" rtl="0">
+              <a:spcBef>
+                <a:spcPts val="0"/>
+              </a:spcBef>
+              <a:spcAft>
+                <a:spcPts val="0"/>
+              </a:spcAft>
+              <a:buNone/>
+            </a:pPr>
+            <a:r>
+              <a:rPr lang="ko-KR" sz="2800">
+                <a:solidFill>
+                  <a:schemeClr val="dk1"/>
+                </a:solidFill>
+                <a:latin typeface="Malgun Gothic"/>
+                <a:ea typeface="Malgun Gothic"/>
+                <a:cs typeface="Malgun Gothic"/>
+                <a:sym typeface="Malgun Gothic"/>
+              </a:rPr>
+              <a:t>erase_range </a:t>
+            </a:r>
+            <a:endParaRPr sz="2800">
+              <a:solidFill>
+                <a:schemeClr val="dk1"/>
+              </a:solidFill>
+              <a:latin typeface="Malgun Gothic"/>
+              <a:ea typeface="Malgun Gothic"/>
+              <a:cs typeface="Malgun Gothic"/>
+              <a:sym typeface="Malgun Gothic"/>
+            </a:endParaRPr>
+          </a:p>
+        </p:txBody>
+      </p:sp>
+      <p:pic>
+        <p:nvPicPr>
+          <p:cNvPr id="427" name="Google Shape;427;p46"/>
+          <p:cNvPicPr preferRelativeResize="0"/>
+          <p:nvPr/>
+        </p:nvPicPr>
+        <p:blipFill>
+          <a:blip r:embed="rId3">
+            <a:alphaModFix/>
+          </a:blip>
+          <a:stretch>
+            <a:fillRect/>
+          </a:stretch>
+        </p:blipFill>
+        <p:spPr>
+          <a:xfrm>
+            <a:off x="279750" y="1023700"/>
+            <a:ext cx="4647600" cy="1214450"/>
+          </a:xfrm>
+          <a:prstGeom prst="rect">
+            <a:avLst/>
+          </a:prstGeom>
+          <a:noFill/>
+          <a:ln>
+            <a:noFill/>
+          </a:ln>
+        </p:spPr>
+      </p:pic>
+      <p:pic>
+        <p:nvPicPr>
+          <p:cNvPr id="428" name="Google Shape;428;p46"/>
+          <p:cNvPicPr preferRelativeResize="0"/>
+          <p:nvPr/>
+        </p:nvPicPr>
+        <p:blipFill>
+          <a:blip r:embed="rId4">
+            <a:alphaModFix/>
+          </a:blip>
+          <a:stretch>
+            <a:fillRect/>
+          </a:stretch>
+        </p:blipFill>
+        <p:spPr>
+          <a:xfrm>
+            <a:off x="5328875" y="1023700"/>
+            <a:ext cx="2956200" cy="5495500"/>
+          </a:xfrm>
+          <a:prstGeom prst="rect">
+            <a:avLst/>
+          </a:prstGeom>
+          <a:noFill/>
+          <a:ln>
+            <a:noFill/>
+          </a:ln>
+        </p:spPr>
+      </p:pic>
+    </p:spTree>
+  </p:cSld>
+  <p:clrMapOvr>
+    <a:masterClrMapping/>
+  </p:clrMapOvr>
+</p:sld>
+</file>
+
+<file path=ppt/slides/slide42.xml><?xml version="1.0" encoding="utf-8"?>
+<p:sld xmlns:a="http://schemas.openxmlformats.org/drawingml/2006/main" xmlns:r="http://schemas.openxmlformats.org/officeDocument/2006/relationships" xmlns:p="http://schemas.openxmlformats.org/presentationml/2006/main">
+  <p:cSld>
+    <p:spTree>
+      <p:nvGrpSpPr>
+        <p:cNvPr id="1" name="Shape 432"/>
+        <p:cNvGrpSpPr/>
+        <p:nvPr/>
+      </p:nvGrpSpPr>
+      <p:grpSpPr>
+        <a:xfrm>
+          <a:off x="0" y="0"/>
+          <a:ext cx="0" cy="0"/>
+          <a:chOff x="0" y="0"/>
+          <a:chExt cx="0" cy="0"/>
+        </a:xfrm>
+      </p:grpSpPr>
+      <p:sp>
+        <p:nvSpPr>
+          <p:cNvPr id="433" name="Google Shape;433;p47"/>
+          <p:cNvSpPr txBox="1"/>
+          <p:nvPr/>
+        </p:nvSpPr>
+        <p:spPr>
+          <a:xfrm>
+            <a:off x="168425" y="298000"/>
+            <a:ext cx="4994700" cy="725700"/>
+          </a:xfrm>
+          <a:prstGeom prst="rect">
+            <a:avLst/>
+          </a:prstGeom>
+          <a:noFill/>
+          <a:ln>
+            <a:noFill/>
+          </a:ln>
+        </p:spPr>
+        <p:txBody>
+          <a:bodyPr spcFirstLastPara="1" wrap="square" lIns="91425" tIns="91425" rIns="91425" bIns="91425" anchor="t" anchorCtr="0">
+            <a:noAutofit/>
+          </a:bodyPr>
+          <a:lstStyle/>
+          <a:p>
+            <a:pPr marL="0" lvl="0" indent="0" algn="l" rtl="0">
+              <a:spcBef>
+                <a:spcPts val="0"/>
+              </a:spcBef>
+              <a:spcAft>
+                <a:spcPts val="0"/>
+              </a:spcAft>
+              <a:buNone/>
+            </a:pPr>
+            <a:r>
+              <a:rPr lang="ko-KR" sz="2800">
+                <a:solidFill>
+                  <a:schemeClr val="dk1"/>
+                </a:solidFill>
+                <a:latin typeface="Malgun Gothic"/>
+                <a:ea typeface="Malgun Gothic"/>
+                <a:cs typeface="Malgun Gothic"/>
+                <a:sym typeface="Malgun Gothic"/>
+              </a:rPr>
+              <a:t>erase_range (경계값 테스트) </a:t>
+            </a:r>
+            <a:endParaRPr sz="2800">
+              <a:solidFill>
+                <a:schemeClr val="dk1"/>
+              </a:solidFill>
+              <a:latin typeface="Malgun Gothic"/>
+              <a:ea typeface="Malgun Gothic"/>
+              <a:cs typeface="Malgun Gothic"/>
+              <a:sym typeface="Malgun Gothic"/>
+            </a:endParaRPr>
+          </a:p>
+        </p:txBody>
+      </p:sp>
+      <p:pic>
+        <p:nvPicPr>
+          <p:cNvPr id="434" name="Google Shape;434;p47"/>
+          <p:cNvPicPr preferRelativeResize="0"/>
+          <p:nvPr/>
+        </p:nvPicPr>
+        <p:blipFill>
+          <a:blip r:embed="rId3">
+            <a:alphaModFix/>
+          </a:blip>
+          <a:stretch>
+            <a:fillRect/>
+          </a:stretch>
+        </p:blipFill>
+        <p:spPr>
+          <a:xfrm>
+            <a:off x="348375" y="3443500"/>
+            <a:ext cx="2667125" cy="1136000"/>
+          </a:xfrm>
+          <a:prstGeom prst="rect">
+            <a:avLst/>
+          </a:prstGeom>
+          <a:noFill/>
+          <a:ln>
+            <a:noFill/>
+          </a:ln>
+        </p:spPr>
+      </p:pic>
+      <p:pic>
+        <p:nvPicPr>
+          <p:cNvPr id="435" name="Google Shape;435;p47"/>
+          <p:cNvPicPr preferRelativeResize="0"/>
+          <p:nvPr/>
+        </p:nvPicPr>
+        <p:blipFill>
+          <a:blip r:embed="rId4">
+            <a:alphaModFix/>
+          </a:blip>
+          <a:stretch>
+            <a:fillRect/>
+          </a:stretch>
+        </p:blipFill>
+        <p:spPr>
+          <a:xfrm>
+            <a:off x="348375" y="1269275"/>
+            <a:ext cx="2667125" cy="1939727"/>
+          </a:xfrm>
+          <a:prstGeom prst="rect">
+            <a:avLst/>
+          </a:prstGeom>
+          <a:noFill/>
+          <a:ln>
+            <a:noFill/>
+          </a:ln>
+        </p:spPr>
+      </p:pic>
+    </p:spTree>
+  </p:cSld>
+  <p:clrMapOvr>
+    <a:masterClrMapping/>
+  </p:clrMapOvr>
+</p:sld>
+</file>
+
+<file path=ppt/slides/slide43.xml><?xml version="1.0" encoding="utf-8"?>
+<p:sld xmlns:a="http://schemas.openxmlformats.org/drawingml/2006/main" xmlns:r="http://schemas.openxmlformats.org/officeDocument/2006/relationships" xmlns:p="http://schemas.openxmlformats.org/presentationml/2006/main">
+  <p:cSld>
+    <p:spTree>
+      <p:nvGrpSpPr>
+        <p:cNvPr id="1" name="Shape 439"/>
+        <p:cNvGrpSpPr/>
+        <p:nvPr/>
+      </p:nvGrpSpPr>
+      <p:grpSpPr>
+        <a:xfrm>
+          <a:off x="0" y="0"/>
+          <a:ext cx="0" cy="0"/>
+          <a:chOff x="0" y="0"/>
+          <a:chExt cx="0" cy="0"/>
+        </a:xfrm>
+      </p:grpSpPr>
+      <p:sp>
+        <p:nvSpPr>
+          <p:cNvPr id="440" name="Google Shape;440;p48"/>
+          <p:cNvSpPr txBox="1"/>
+          <p:nvPr/>
+        </p:nvSpPr>
+        <p:spPr>
+          <a:xfrm>
+            <a:off x="168425" y="298000"/>
+            <a:ext cx="4191300" cy="725700"/>
+          </a:xfrm>
+          <a:prstGeom prst="rect">
+            <a:avLst/>
+          </a:prstGeom>
+          <a:noFill/>
+          <a:ln>
+            <a:noFill/>
+          </a:ln>
+        </p:spPr>
+        <p:txBody>
+          <a:bodyPr spcFirstLastPara="1" wrap="square" lIns="91425" tIns="91425" rIns="91425" bIns="91425" anchor="t" anchorCtr="0">
+            <a:noAutofit/>
+          </a:bodyPr>
+          <a:lstStyle/>
+          <a:p>
+            <a:pPr marL="0" lvl="0" indent="0" algn="l" rtl="0">
+              <a:spcBef>
+                <a:spcPts val="0"/>
+              </a:spcBef>
+              <a:spcAft>
+                <a:spcPts val="0"/>
+              </a:spcAft>
+              <a:buNone/>
+            </a:pPr>
+            <a:r>
+              <a:rPr lang="ko-KR" sz="2800">
+                <a:solidFill>
+                  <a:schemeClr val="dk1"/>
+                </a:solidFill>
+                <a:latin typeface="Malgun Gothic"/>
+                <a:ea typeface="Malgun Gothic"/>
+                <a:cs typeface="Malgun Gothic"/>
+                <a:sym typeface="Malgun Gothic"/>
+              </a:rPr>
+              <a:t>flush &amp; cmd buffering</a:t>
+            </a:r>
+            <a:endParaRPr sz="2800">
+              <a:solidFill>
+                <a:schemeClr val="dk1"/>
+              </a:solidFill>
+              <a:latin typeface="Malgun Gothic"/>
+              <a:ea typeface="Malgun Gothic"/>
+              <a:cs typeface="Malgun Gothic"/>
+              <a:sym typeface="Malgun Gothic"/>
+            </a:endParaRPr>
+          </a:p>
+        </p:txBody>
+      </p:sp>
+      <p:pic>
+        <p:nvPicPr>
+          <p:cNvPr id="441" name="Google Shape;441;p48"/>
+          <p:cNvPicPr preferRelativeResize="0"/>
+          <p:nvPr/>
+        </p:nvPicPr>
+        <p:blipFill>
+          <a:blip r:embed="rId3">
+            <a:alphaModFix/>
+          </a:blip>
+          <a:stretch>
+            <a:fillRect/>
+          </a:stretch>
+        </p:blipFill>
+        <p:spPr>
+          <a:xfrm>
+            <a:off x="152400" y="1176100"/>
+            <a:ext cx="6275550" cy="4888325"/>
+          </a:xfrm>
+          <a:prstGeom prst="rect">
+            <a:avLst/>
+          </a:prstGeom>
+          <a:noFill/>
+          <a:ln>
+            <a:noFill/>
+          </a:ln>
+        </p:spPr>
+      </p:pic>
+      <p:pic>
+        <p:nvPicPr>
+          <p:cNvPr id="442" name="Google Shape;442;p48"/>
+          <p:cNvPicPr preferRelativeResize="0"/>
+          <p:nvPr/>
+        </p:nvPicPr>
+        <p:blipFill>
+          <a:blip r:embed="rId4">
+            <a:alphaModFix/>
+          </a:blip>
+          <a:stretch>
+            <a:fillRect/>
+          </a:stretch>
+        </p:blipFill>
+        <p:spPr>
+          <a:xfrm>
+            <a:off x="6551148" y="1176100"/>
+            <a:ext cx="5554561" cy="4888325"/>
+          </a:xfrm>
+          <a:prstGeom prst="rect">
+            <a:avLst/>
+          </a:prstGeom>
+          <a:noFill/>
+          <a:ln>
+            <a:noFill/>
+          </a:ln>
+        </p:spPr>
+      </p:pic>
+    </p:spTree>
+  </p:cSld>
+  <p:clrMapOvr>
+    <a:masterClrMapping/>
+  </p:clrMapOvr>
+</p:sld>
+</file>
+
+<file path=ppt/slides/slide44.xml><?xml version="1.0" encoding="utf-8"?>
+<p:sld xmlns:a="http://schemas.openxmlformats.org/drawingml/2006/main" xmlns:r="http://schemas.openxmlformats.org/officeDocument/2006/relationships" xmlns:p="http://schemas.openxmlformats.org/presentationml/2006/main">
+  <p:cSld>
+    <p:spTree>
+      <p:nvGrpSpPr>
+        <p:cNvPr id="1" name="Shape 446"/>
+        <p:cNvGrpSpPr/>
+        <p:nvPr/>
+      </p:nvGrpSpPr>
+      <p:grpSpPr>
+        <a:xfrm>
+          <a:off x="0" y="0"/>
+          <a:ext cx="0" cy="0"/>
+          <a:chOff x="0" y="0"/>
+          <a:chExt cx="0" cy="0"/>
+        </a:xfrm>
+      </p:grpSpPr>
+      <p:sp>
+        <p:nvSpPr>
+          <p:cNvPr id="447" name="Google Shape;447;p49"/>
+          <p:cNvSpPr txBox="1"/>
+          <p:nvPr/>
+        </p:nvSpPr>
+        <p:spPr>
+          <a:xfrm>
+            <a:off x="168425" y="298000"/>
+            <a:ext cx="5680500" cy="725700"/>
+          </a:xfrm>
+          <a:prstGeom prst="rect">
+            <a:avLst/>
+          </a:prstGeom>
+          <a:noFill/>
+          <a:ln>
+            <a:noFill/>
+          </a:ln>
+        </p:spPr>
+        <p:txBody>
+          <a:bodyPr spcFirstLastPara="1" wrap="square" lIns="91425" tIns="91425" rIns="91425" bIns="91425" anchor="t" anchorCtr="0">
+            <a:noAutofit/>
+          </a:bodyPr>
+          <a:lstStyle/>
+          <a:p>
+            <a:pPr marL="0" lvl="0" indent="0" algn="l" rtl="0">
+              <a:spcBef>
+                <a:spcPts val="0"/>
+              </a:spcBef>
+              <a:spcAft>
+                <a:spcPts val="0"/>
+              </a:spcAft>
+              <a:buNone/>
+            </a:pPr>
+            <a:r>
+              <a:rPr lang="ko-KR" sz="2800">
+                <a:solidFill>
+                  <a:schemeClr val="dk1"/>
+                </a:solidFill>
+                <a:latin typeface="Malgun Gothic"/>
+                <a:ea typeface="Malgun Gothic"/>
+                <a:cs typeface="Malgun Gothic"/>
+                <a:sym typeface="Malgun Gothic"/>
+              </a:rPr>
+              <a:t>1_FullWriteAndReadCompare</a:t>
+            </a:r>
+            <a:endParaRPr sz="2800">
+              <a:solidFill>
+                <a:schemeClr val="dk1"/>
+              </a:solidFill>
+              <a:latin typeface="Malgun Gothic"/>
+              <a:ea typeface="Malgun Gothic"/>
+              <a:cs typeface="Malgun Gothic"/>
+              <a:sym typeface="Malgun Gothic"/>
+            </a:endParaRPr>
+          </a:p>
+        </p:txBody>
+      </p:sp>
+      <p:pic>
+        <p:nvPicPr>
+          <p:cNvPr id="448" name="Google Shape;448;p49"/>
+          <p:cNvPicPr preferRelativeResize="0"/>
+          <p:nvPr/>
+        </p:nvPicPr>
+        <p:blipFill>
+          <a:blip r:embed="rId3">
+            <a:alphaModFix/>
+          </a:blip>
+          <a:stretch>
+            <a:fillRect/>
+          </a:stretch>
+        </p:blipFill>
+        <p:spPr>
+          <a:xfrm>
+            <a:off x="152400" y="1176100"/>
+            <a:ext cx="5879975" cy="3084225"/>
+          </a:xfrm>
+          <a:prstGeom prst="rect">
+            <a:avLst/>
+          </a:prstGeom>
+          <a:noFill/>
+          <a:ln>
+            <a:noFill/>
+          </a:ln>
+        </p:spPr>
+      </p:pic>
+    </p:spTree>
+  </p:cSld>
+  <p:clrMapOvr>
+    <a:masterClrMapping/>
+  </p:clrMapOvr>
+</p:sld>
+</file>
+
+<file path=ppt/slides/slide45.xml><?xml version="1.0" encoding="utf-8"?>
+<p:sld xmlns:a="http://schemas.openxmlformats.org/drawingml/2006/main" xmlns:r="http://schemas.openxmlformats.org/officeDocument/2006/relationships" xmlns:p="http://schemas.openxmlformats.org/presentationml/2006/main">
+  <p:cSld>
+    <p:spTree>
+      <p:nvGrpSpPr>
+        <p:cNvPr id="1" name="Shape 452"/>
+        <p:cNvGrpSpPr/>
+        <p:nvPr/>
+      </p:nvGrpSpPr>
+      <p:grpSpPr>
+        <a:xfrm>
+          <a:off x="0" y="0"/>
+          <a:ext cx="0" cy="0"/>
+          <a:chOff x="0" y="0"/>
+          <a:chExt cx="0" cy="0"/>
+        </a:xfrm>
+      </p:grpSpPr>
+      <p:sp>
+        <p:nvSpPr>
+          <p:cNvPr id="453" name="Google Shape;453;p50"/>
+          <p:cNvSpPr txBox="1"/>
+          <p:nvPr/>
+        </p:nvSpPr>
+        <p:spPr>
+          <a:xfrm>
+            <a:off x="168425" y="298000"/>
+            <a:ext cx="3264900" cy="725700"/>
+          </a:xfrm>
+          <a:prstGeom prst="rect">
+            <a:avLst/>
+          </a:prstGeom>
+          <a:noFill/>
+          <a:ln>
+            <a:noFill/>
+          </a:ln>
+        </p:spPr>
+        <p:txBody>
+          <a:bodyPr spcFirstLastPara="1" wrap="square" lIns="91425" tIns="91425" rIns="91425" bIns="91425" anchor="t" anchorCtr="0">
+            <a:noAutofit/>
+          </a:bodyPr>
+          <a:lstStyle/>
+          <a:p>
+            <a:pPr marL="0" lvl="0" indent="0" algn="l" rtl="0">
+              <a:spcBef>
+                <a:spcPts val="0"/>
+              </a:spcBef>
+              <a:spcAft>
+                <a:spcPts val="0"/>
+              </a:spcAft>
+              <a:buNone/>
+            </a:pPr>
+            <a:r>
+              <a:rPr lang="ko-KR" sz="2800">
+                <a:solidFill>
+                  <a:schemeClr val="dk1"/>
+                </a:solidFill>
+                <a:latin typeface="Malgun Gothic"/>
+                <a:ea typeface="Malgun Gothic"/>
+                <a:cs typeface="Malgun Gothic"/>
+                <a:sym typeface="Malgun Gothic"/>
+              </a:rPr>
+              <a:t>2_PartialLBAWrite</a:t>
+            </a:r>
+            <a:endParaRPr sz="2800">
+              <a:solidFill>
+                <a:schemeClr val="dk1"/>
+              </a:solidFill>
+              <a:latin typeface="Malgun Gothic"/>
+              <a:ea typeface="Malgun Gothic"/>
+              <a:cs typeface="Malgun Gothic"/>
+              <a:sym typeface="Malgun Gothic"/>
+            </a:endParaRPr>
+          </a:p>
+        </p:txBody>
+      </p:sp>
+      <p:pic>
+        <p:nvPicPr>
+          <p:cNvPr id="454" name="Google Shape;454;p50"/>
+          <p:cNvPicPr preferRelativeResize="0"/>
+          <p:nvPr/>
+        </p:nvPicPr>
+        <p:blipFill>
+          <a:blip r:embed="rId3">
+            <a:alphaModFix/>
+          </a:blip>
+          <a:stretch>
+            <a:fillRect/>
+          </a:stretch>
+        </p:blipFill>
+        <p:spPr>
+          <a:xfrm>
+            <a:off x="152400" y="1176100"/>
+            <a:ext cx="6059150" cy="2986075"/>
+          </a:xfrm>
+          <a:prstGeom prst="rect">
+            <a:avLst/>
+          </a:prstGeom>
+          <a:noFill/>
+          <a:ln>
+            <a:noFill/>
+          </a:ln>
+        </p:spPr>
+      </p:pic>
+    </p:spTree>
+  </p:cSld>
+  <p:clrMapOvr>
+    <a:masterClrMapping/>
+  </p:clrMapOvr>
+</p:sld>
+</file>
+
+<file path=ppt/slides/slide46.xml><?xml version="1.0" encoding="utf-8"?>
+<p:sld xmlns:a="http://schemas.openxmlformats.org/drawingml/2006/main" xmlns:r="http://schemas.openxmlformats.org/officeDocument/2006/relationships" xmlns:p="http://schemas.openxmlformats.org/presentationml/2006/main">
+  <p:cSld>
+    <p:spTree>
+      <p:nvGrpSpPr>
+        <p:cNvPr id="1" name="Shape 458"/>
+        <p:cNvGrpSpPr/>
+        <p:nvPr/>
+      </p:nvGrpSpPr>
+      <p:grpSpPr>
+        <a:xfrm>
+          <a:off x="0" y="0"/>
+          <a:ext cx="0" cy="0"/>
+          <a:chOff x="0" y="0"/>
+          <a:chExt cx="0" cy="0"/>
+        </a:xfrm>
+      </p:grpSpPr>
+      <p:sp>
+        <p:nvSpPr>
+          <p:cNvPr id="459" name="Google Shape;459;p51"/>
+          <p:cNvSpPr txBox="1"/>
+          <p:nvPr/>
+        </p:nvSpPr>
+        <p:spPr>
+          <a:xfrm>
+            <a:off x="168425" y="298000"/>
+            <a:ext cx="3264900" cy="725700"/>
+          </a:xfrm>
+          <a:prstGeom prst="rect">
+            <a:avLst/>
+          </a:prstGeom>
+          <a:noFill/>
+          <a:ln>
+            <a:noFill/>
+          </a:ln>
+        </p:spPr>
+        <p:txBody>
+          <a:bodyPr spcFirstLastPara="1" wrap="square" lIns="91425" tIns="91425" rIns="91425" bIns="91425" anchor="t" anchorCtr="0">
+            <a:noAutofit/>
+          </a:bodyPr>
+          <a:lstStyle/>
+          <a:p>
+            <a:pPr marL="0" lvl="0" indent="0" algn="l" rtl="0">
+              <a:spcBef>
+                <a:spcPts val="0"/>
+              </a:spcBef>
+              <a:spcAft>
+                <a:spcPts val="0"/>
+              </a:spcAft>
+              <a:buNone/>
+            </a:pPr>
+            <a:r>
+              <a:rPr lang="ko-KR" sz="2800">
+                <a:solidFill>
+                  <a:schemeClr val="dk1"/>
+                </a:solidFill>
+                <a:latin typeface="Malgun Gothic"/>
+                <a:ea typeface="Malgun Gothic"/>
+                <a:cs typeface="Malgun Gothic"/>
+                <a:sym typeface="Malgun Gothic"/>
+              </a:rPr>
+              <a:t>3_WriteReadAging</a:t>
+            </a:r>
+            <a:endParaRPr sz="2800">
+              <a:solidFill>
+                <a:schemeClr val="dk1"/>
+              </a:solidFill>
+              <a:latin typeface="Malgun Gothic"/>
+              <a:ea typeface="Malgun Gothic"/>
+              <a:cs typeface="Malgun Gothic"/>
+              <a:sym typeface="Malgun Gothic"/>
+            </a:endParaRPr>
+          </a:p>
+        </p:txBody>
+      </p:sp>
+      <p:pic>
+        <p:nvPicPr>
+          <p:cNvPr id="460" name="Google Shape;460;p51"/>
+          <p:cNvPicPr preferRelativeResize="0"/>
+          <p:nvPr/>
+        </p:nvPicPr>
+        <p:blipFill>
+          <a:blip r:embed="rId3">
+            <a:alphaModFix/>
+          </a:blip>
+          <a:stretch>
+            <a:fillRect/>
+          </a:stretch>
+        </p:blipFill>
+        <p:spPr>
+          <a:xfrm>
+            <a:off x="250350" y="1068325"/>
+            <a:ext cx="5241950" cy="2583375"/>
+          </a:xfrm>
+          <a:prstGeom prst="rect">
+            <a:avLst/>
+          </a:prstGeom>
+          <a:noFill/>
+          <a:ln>
+            <a:noFill/>
+          </a:ln>
+        </p:spPr>
+      </p:pic>
+    </p:spTree>
+  </p:cSld>
+  <p:clrMapOvr>
+    <a:masterClrMapping/>
+  </p:clrMapOvr>
+</p:sld>
+</file>
+
+<file path=ppt/slides/slide47.xml><?xml version="1.0" encoding="utf-8"?>
+<p:sld xmlns:a="http://schemas.openxmlformats.org/drawingml/2006/main" xmlns:r="http://schemas.openxmlformats.org/officeDocument/2006/relationships" xmlns:p="http://schemas.openxmlformats.org/presentationml/2006/main">
+  <p:cSld>
+    <p:spTree>
+      <p:nvGrpSpPr>
+        <p:cNvPr id="1" name="Shape 464"/>
+        <p:cNvGrpSpPr/>
+        <p:nvPr/>
+      </p:nvGrpSpPr>
+      <p:grpSpPr>
+        <a:xfrm>
+          <a:off x="0" y="0"/>
+          <a:ext cx="0" cy="0"/>
+          <a:chOff x="0" y="0"/>
+          <a:chExt cx="0" cy="0"/>
+        </a:xfrm>
+      </p:grpSpPr>
+      <p:sp>
+        <p:nvSpPr>
+          <p:cNvPr id="465" name="Google Shape;465;p52"/>
+          <p:cNvSpPr txBox="1"/>
+          <p:nvPr/>
+        </p:nvSpPr>
+        <p:spPr>
+          <a:xfrm>
+            <a:off x="168425" y="298000"/>
+            <a:ext cx="5729400" cy="725700"/>
+          </a:xfrm>
+          <a:prstGeom prst="rect">
+            <a:avLst/>
+          </a:prstGeom>
+          <a:noFill/>
+          <a:ln>
+            <a:noFill/>
+          </a:ln>
+        </p:spPr>
+        <p:txBody>
+          <a:bodyPr spcFirstLastPara="1" wrap="square" lIns="91425" tIns="91425" rIns="91425" bIns="91425" anchor="t" anchorCtr="0">
+            <a:noAutofit/>
+          </a:bodyPr>
+          <a:lstStyle/>
+          <a:p>
+            <a:pPr marL="0" lvl="0" indent="0" algn="l" rtl="0">
+              <a:spcBef>
+                <a:spcPts val="0"/>
+              </a:spcBef>
+              <a:spcAft>
+                <a:spcPts val="0"/>
+              </a:spcAft>
+              <a:buNone/>
+            </a:pPr>
+            <a:r>
+              <a:rPr lang="ko-KR" sz="2800">
+                <a:solidFill>
+                  <a:schemeClr val="dk1"/>
+                </a:solidFill>
+                <a:latin typeface="Malgun Gothic"/>
+                <a:ea typeface="Malgun Gothic"/>
+                <a:cs typeface="Malgun Gothic"/>
+                <a:sym typeface="Malgun Gothic"/>
+              </a:rPr>
+              <a:t>4_EraseAndWriteAging</a:t>
+            </a:r>
+            <a:endParaRPr sz="2800">
+              <a:solidFill>
+                <a:schemeClr val="dk1"/>
+              </a:solidFill>
+              <a:latin typeface="Malgun Gothic"/>
+              <a:ea typeface="Malgun Gothic"/>
+              <a:cs typeface="Malgun Gothic"/>
+              <a:sym typeface="Malgun Gothic"/>
+            </a:endParaRPr>
+          </a:p>
+        </p:txBody>
+      </p:sp>
+      <p:pic>
+        <p:nvPicPr>
+          <p:cNvPr id="466" name="Google Shape;466;p52"/>
+          <p:cNvPicPr preferRelativeResize="0"/>
+          <p:nvPr/>
+        </p:nvPicPr>
+        <p:blipFill>
+          <a:blip r:embed="rId3">
+            <a:alphaModFix/>
+          </a:blip>
+          <a:stretch>
+            <a:fillRect/>
+          </a:stretch>
+        </p:blipFill>
+        <p:spPr>
+          <a:xfrm>
+            <a:off x="152400" y="1176100"/>
+            <a:ext cx="6001450" cy="2475600"/>
+          </a:xfrm>
+          <a:prstGeom prst="rect">
+            <a:avLst/>
+          </a:prstGeom>
+          <a:noFill/>
+          <a:ln>
+            <a:noFill/>
+          </a:ln>
+        </p:spPr>
+      </p:pic>
+    </p:spTree>
+  </p:cSld>
+  <p:clrMapOvr>
+    <a:masterClrMapping/>
+  </p:clrMapOvr>
+</p:sld>
+</file>
+
+<file path=ppt/slides/slide48.xml><?xml version="1.0" encoding="utf-8"?>
+<p:sld xmlns:a="http://schemas.openxmlformats.org/drawingml/2006/main" xmlns:r="http://schemas.openxmlformats.org/officeDocument/2006/relationships" xmlns:p="http://schemas.openxmlformats.org/presentationml/2006/main">
+  <p:cSld>
+    <p:spTree>
+      <p:nvGrpSpPr>
+        <p:cNvPr id="1" name="Shape 470"/>
+        <p:cNvGrpSpPr/>
+        <p:nvPr/>
+      </p:nvGrpSpPr>
+      <p:grpSpPr>
+        <a:xfrm>
+          <a:off x="0" y="0"/>
+          <a:ext cx="0" cy="0"/>
+          <a:chOff x="0" y="0"/>
+          <a:chExt cx="0" cy="0"/>
+        </a:xfrm>
+      </p:grpSpPr>
+      <p:sp>
+        <p:nvSpPr>
+          <p:cNvPr id="471" name="Google Shape;471;p53"/>
+          <p:cNvSpPr txBox="1"/>
+          <p:nvPr/>
+        </p:nvSpPr>
+        <p:spPr>
+          <a:xfrm>
+            <a:off x="168425" y="298000"/>
+            <a:ext cx="5729400" cy="725700"/>
+          </a:xfrm>
+          <a:prstGeom prst="rect">
+            <a:avLst/>
+          </a:prstGeom>
+          <a:noFill/>
+          <a:ln>
+            <a:noFill/>
+          </a:ln>
+        </p:spPr>
+        <p:txBody>
+          <a:bodyPr spcFirstLastPara="1" wrap="square" lIns="91425" tIns="91425" rIns="91425" bIns="91425" anchor="t" anchorCtr="0">
+            <a:noAutofit/>
+          </a:bodyPr>
+          <a:lstStyle/>
+          <a:p>
+            <a:pPr marL="0" lvl="0" indent="0" algn="l" rtl="0">
+              <a:spcBef>
+                <a:spcPts val="0"/>
+              </a:spcBef>
+              <a:spcAft>
+                <a:spcPts val="0"/>
+              </a:spcAft>
+              <a:buNone/>
+            </a:pPr>
+            <a:r>
+              <a:rPr lang="ko-KR" sz="2800">
+                <a:solidFill>
+                  <a:schemeClr val="dk1"/>
+                </a:solidFill>
+                <a:latin typeface="Malgun Gothic"/>
+                <a:ea typeface="Malgun Gothic"/>
+                <a:cs typeface="Malgun Gothic"/>
+                <a:sym typeface="Malgun Gothic"/>
+              </a:rPr>
+              <a:t>Runner</a:t>
+            </a:r>
+            <a:endParaRPr sz="2800">
+              <a:solidFill>
+                <a:schemeClr val="dk1"/>
+              </a:solidFill>
+              <a:latin typeface="Malgun Gothic"/>
+              <a:ea typeface="Malgun Gothic"/>
+              <a:cs typeface="Malgun Gothic"/>
+              <a:sym typeface="Malgun Gothic"/>
+            </a:endParaRPr>
+          </a:p>
+        </p:txBody>
+      </p:sp>
+      <p:pic>
+        <p:nvPicPr>
+          <p:cNvPr id="472" name="Google Shape;472;p53"/>
+          <p:cNvPicPr preferRelativeResize="0"/>
+          <p:nvPr/>
+        </p:nvPicPr>
+        <p:blipFill>
+          <a:blip r:embed="rId3">
+            <a:alphaModFix/>
+          </a:blip>
+          <a:stretch>
+            <a:fillRect/>
+          </a:stretch>
+        </p:blipFill>
+        <p:spPr>
+          <a:xfrm>
+            <a:off x="152400" y="1176100"/>
+            <a:ext cx="7944250" cy="4360375"/>
+          </a:xfrm>
+          <a:prstGeom prst="rect">
+            <a:avLst/>
+          </a:prstGeom>
+          <a:noFill/>
+          <a:ln>
+            <a:noFill/>
+          </a:ln>
+        </p:spPr>
+      </p:pic>
     </p:spTree>
   </p:cSld>
   <p:clrMapOvr>
